--- a/docs/diagrams/LogicComponentSequenceDiagram.pptx
+++ b/docs/diagrams/LogicComponentSequenceDiagram.pptx
@@ -208,7 +208,7 @@
           <a:p>
             <a:fld id="{F5CC4B3F-88C1-4FFA-B1B6-F41C21DC6924}" type="datetimeFigureOut">
               <a:rPr lang="en-US" smtClean="0"/>
-              <a:t>12/15/2018</a:t>
+              <a:t>2/25/2019</a:t>
             </a:fld>
             <a:endParaRPr lang="en-US"/>
           </a:p>
@@ -738,7 +738,7 @@
           <a:p>
             <a:fld id="{78C97017-6FC3-485B-9764-EAC9E56C1D49}" type="datetimeFigureOut">
               <a:rPr lang="en-US" smtClean="0"/>
-              <a:t>12/15/2018</a:t>
+              <a:t>2/25/2019</a:t>
             </a:fld>
             <a:endParaRPr lang="en-US"/>
           </a:p>
@@ -906,7 +906,7 @@
           <a:p>
             <a:fld id="{78C97017-6FC3-485B-9764-EAC9E56C1D49}" type="datetimeFigureOut">
               <a:rPr lang="en-US" smtClean="0"/>
-              <a:t>12/15/2018</a:t>
+              <a:t>2/25/2019</a:t>
             </a:fld>
             <a:endParaRPr lang="en-US"/>
           </a:p>
@@ -1084,7 +1084,7 @@
           <a:p>
             <a:fld id="{78C97017-6FC3-485B-9764-EAC9E56C1D49}" type="datetimeFigureOut">
               <a:rPr lang="en-US" smtClean="0"/>
-              <a:t>12/15/2018</a:t>
+              <a:t>2/25/2019</a:t>
             </a:fld>
             <a:endParaRPr lang="en-US"/>
           </a:p>
@@ -1252,7 +1252,7 @@
           <a:p>
             <a:fld id="{78C97017-6FC3-485B-9764-EAC9E56C1D49}" type="datetimeFigureOut">
               <a:rPr lang="en-US" smtClean="0"/>
-              <a:t>12/15/2018</a:t>
+              <a:t>2/25/2019</a:t>
             </a:fld>
             <a:endParaRPr lang="en-US"/>
           </a:p>
@@ -1497,7 +1497,7 @@
           <a:p>
             <a:fld id="{78C97017-6FC3-485B-9764-EAC9E56C1D49}" type="datetimeFigureOut">
               <a:rPr lang="en-US" smtClean="0"/>
-              <a:t>12/15/2018</a:t>
+              <a:t>2/25/2019</a:t>
             </a:fld>
             <a:endParaRPr lang="en-US"/>
           </a:p>
@@ -1782,7 +1782,7 @@
           <a:p>
             <a:fld id="{78C97017-6FC3-485B-9764-EAC9E56C1D49}" type="datetimeFigureOut">
               <a:rPr lang="en-US" smtClean="0"/>
-              <a:t>12/15/2018</a:t>
+              <a:t>2/25/2019</a:t>
             </a:fld>
             <a:endParaRPr lang="en-US"/>
           </a:p>
@@ -2201,7 +2201,7 @@
           <a:p>
             <a:fld id="{78C97017-6FC3-485B-9764-EAC9E56C1D49}" type="datetimeFigureOut">
               <a:rPr lang="en-US" smtClean="0"/>
-              <a:t>12/15/2018</a:t>
+              <a:t>2/25/2019</a:t>
             </a:fld>
             <a:endParaRPr lang="en-US"/>
           </a:p>
@@ -2318,7 +2318,7 @@
           <a:p>
             <a:fld id="{78C97017-6FC3-485B-9764-EAC9E56C1D49}" type="datetimeFigureOut">
               <a:rPr lang="en-US" smtClean="0"/>
-              <a:t>12/15/2018</a:t>
+              <a:t>2/25/2019</a:t>
             </a:fld>
             <a:endParaRPr lang="en-US"/>
           </a:p>
@@ -2413,7 +2413,7 @@
           <a:p>
             <a:fld id="{78C97017-6FC3-485B-9764-EAC9E56C1D49}" type="datetimeFigureOut">
               <a:rPr lang="en-US" smtClean="0"/>
-              <a:t>12/15/2018</a:t>
+              <a:t>2/25/2019</a:t>
             </a:fld>
             <a:endParaRPr lang="en-US"/>
           </a:p>
@@ -2688,7 +2688,7 @@
           <a:p>
             <a:fld id="{78C97017-6FC3-485B-9764-EAC9E56C1D49}" type="datetimeFigureOut">
               <a:rPr lang="en-US" smtClean="0"/>
-              <a:t>12/15/2018</a:t>
+              <a:t>2/25/2019</a:t>
             </a:fld>
             <a:endParaRPr lang="en-US"/>
           </a:p>
@@ -2940,7 +2940,7 @@
           <a:p>
             <a:fld id="{78C97017-6FC3-485B-9764-EAC9E56C1D49}" type="datetimeFigureOut">
               <a:rPr lang="en-US" smtClean="0"/>
-              <a:t>12/15/2018</a:t>
+              <a:t>2/25/2019</a:t>
             </a:fld>
             <a:endParaRPr lang="en-US"/>
           </a:p>
@@ -3151,7 +3151,7 @@
           <a:p>
             <a:fld id="{78C97017-6FC3-485B-9764-EAC9E56C1D49}" type="datetimeFigureOut">
               <a:rPr lang="en-US" smtClean="0"/>
-              <a:t>12/15/2018</a:t>
+              <a:t>2/25/2019</a:t>
             </a:fld>
             <a:endParaRPr lang="en-US"/>
           </a:p>
@@ -4397,7 +4397,7 @@
                   <a:srgbClr val="7030A0"/>
                 </a:solidFill>
               </a:rPr>
-              <a:t>deletePerson</a:t>
+              <a:t>deleteRecord</a:t>
             </a:r>
             <a:r>
               <a:rPr lang="en-US" sz="1400" dirty="0">
@@ -4405,7 +4405,7 @@
                   <a:srgbClr val="7030A0"/>
                 </a:solidFill>
               </a:rPr>
-              <a:t>(p)</a:t>
+              <a:t>(r)</a:t>
             </a:r>
           </a:p>
         </p:txBody>
@@ -4763,7 +4763,7 @@
                   </a:schemeClr>
                 </a:solidFill>
               </a:rPr>
-              <a:t>saveAddressBook</a:t>
+              <a:t>saveFinanceLog</a:t>
             </a:r>
             <a:r>
               <a:rPr lang="en-US" sz="1400" dirty="0">
@@ -4783,7 +4783,7 @@
                   </a:schemeClr>
                 </a:solidFill>
               </a:rPr>
-              <a:t>AddressBook</a:t>
+              <a:t>FinanceLog</a:t>
             </a:r>
             <a:r>
               <a:rPr lang="en-US" sz="1400" dirty="0">

--- a/docs/diagrams/LogicComponentSequenceDiagram.pptx
+++ b/docs/diagrams/LogicComponentSequenceDiagram.pptx
@@ -208,7 +208,7 @@
           <a:p>
             <a:fld id="{F5CC4B3F-88C1-4FFA-B1B6-F41C21DC6924}" type="datetimeFigureOut">
               <a:rPr lang="en-US" smtClean="0"/>
-              <a:t>12/15/2018</a:t>
+              <a:t>3/4/2019</a:t>
             </a:fld>
             <a:endParaRPr lang="en-US"/>
           </a:p>
@@ -738,7 +738,7 @@
           <a:p>
             <a:fld id="{78C97017-6FC3-485B-9764-EAC9E56C1D49}" type="datetimeFigureOut">
               <a:rPr lang="en-US" smtClean="0"/>
-              <a:t>12/15/2018</a:t>
+              <a:t>3/4/2019</a:t>
             </a:fld>
             <a:endParaRPr lang="en-US"/>
           </a:p>
@@ -906,7 +906,7 @@
           <a:p>
             <a:fld id="{78C97017-6FC3-485B-9764-EAC9E56C1D49}" type="datetimeFigureOut">
               <a:rPr lang="en-US" smtClean="0"/>
-              <a:t>12/15/2018</a:t>
+              <a:t>3/4/2019</a:t>
             </a:fld>
             <a:endParaRPr lang="en-US"/>
           </a:p>
@@ -1084,7 +1084,7 @@
           <a:p>
             <a:fld id="{78C97017-6FC3-485B-9764-EAC9E56C1D49}" type="datetimeFigureOut">
               <a:rPr lang="en-US" smtClean="0"/>
-              <a:t>12/15/2018</a:t>
+              <a:t>3/4/2019</a:t>
             </a:fld>
             <a:endParaRPr lang="en-US"/>
           </a:p>
@@ -1252,7 +1252,7 @@
           <a:p>
             <a:fld id="{78C97017-6FC3-485B-9764-EAC9E56C1D49}" type="datetimeFigureOut">
               <a:rPr lang="en-US" smtClean="0"/>
-              <a:t>12/15/2018</a:t>
+              <a:t>3/4/2019</a:t>
             </a:fld>
             <a:endParaRPr lang="en-US"/>
           </a:p>
@@ -1497,7 +1497,7 @@
           <a:p>
             <a:fld id="{78C97017-6FC3-485B-9764-EAC9E56C1D49}" type="datetimeFigureOut">
               <a:rPr lang="en-US" smtClean="0"/>
-              <a:t>12/15/2018</a:t>
+              <a:t>3/4/2019</a:t>
             </a:fld>
             <a:endParaRPr lang="en-US"/>
           </a:p>
@@ -1782,7 +1782,7 @@
           <a:p>
             <a:fld id="{78C97017-6FC3-485B-9764-EAC9E56C1D49}" type="datetimeFigureOut">
               <a:rPr lang="en-US" smtClean="0"/>
-              <a:t>12/15/2018</a:t>
+              <a:t>3/4/2019</a:t>
             </a:fld>
             <a:endParaRPr lang="en-US"/>
           </a:p>
@@ -2201,7 +2201,7 @@
           <a:p>
             <a:fld id="{78C97017-6FC3-485B-9764-EAC9E56C1D49}" type="datetimeFigureOut">
               <a:rPr lang="en-US" smtClean="0"/>
-              <a:t>12/15/2018</a:t>
+              <a:t>3/4/2019</a:t>
             </a:fld>
             <a:endParaRPr lang="en-US"/>
           </a:p>
@@ -2318,7 +2318,7 @@
           <a:p>
             <a:fld id="{78C97017-6FC3-485B-9764-EAC9E56C1D49}" type="datetimeFigureOut">
               <a:rPr lang="en-US" smtClean="0"/>
-              <a:t>12/15/2018</a:t>
+              <a:t>3/4/2019</a:t>
             </a:fld>
             <a:endParaRPr lang="en-US"/>
           </a:p>
@@ -2413,7 +2413,7 @@
           <a:p>
             <a:fld id="{78C97017-6FC3-485B-9764-EAC9E56C1D49}" type="datetimeFigureOut">
               <a:rPr lang="en-US" smtClean="0"/>
-              <a:t>12/15/2018</a:t>
+              <a:t>3/4/2019</a:t>
             </a:fld>
             <a:endParaRPr lang="en-US"/>
           </a:p>
@@ -2688,7 +2688,7 @@
           <a:p>
             <a:fld id="{78C97017-6FC3-485B-9764-EAC9E56C1D49}" type="datetimeFigureOut">
               <a:rPr lang="en-US" smtClean="0"/>
-              <a:t>12/15/2018</a:t>
+              <a:t>3/4/2019</a:t>
             </a:fld>
             <a:endParaRPr lang="en-US"/>
           </a:p>
@@ -2940,7 +2940,7 @@
           <a:p>
             <a:fld id="{78C97017-6FC3-485B-9764-EAC9E56C1D49}" type="datetimeFigureOut">
               <a:rPr lang="en-US" smtClean="0"/>
-              <a:t>12/15/2018</a:t>
+              <a:t>3/4/2019</a:t>
             </a:fld>
             <a:endParaRPr lang="en-US"/>
           </a:p>
@@ -3151,7 +3151,7 @@
           <a:p>
             <a:fld id="{78C97017-6FC3-485B-9764-EAC9E56C1D49}" type="datetimeFigureOut">
               <a:rPr lang="en-US" smtClean="0"/>
-              <a:t>12/15/2018</a:t>
+              <a:t>3/4/2019</a:t>
             </a:fld>
             <a:endParaRPr lang="en-US"/>
           </a:p>
@@ -4236,8 +4236,8 @@
         </p:nvSpPr>
         <p:spPr>
           <a:xfrm>
-            <a:off x="1345305" y="2989204"/>
-            <a:ext cx="860170" cy="215444"/>
+            <a:off x="1073520" y="3013971"/>
+            <a:ext cx="1312737" cy="215444"/>
           </a:xfrm>
           <a:prstGeom prst="rect">
             <a:avLst/>
@@ -4253,7 +4253,7 @@
             <a:pPr algn="ctr"/>
             <a:r>
               <a:rPr lang="en-US" sz="1400" dirty="0"/>
-              <a:t>delete 1</a:t>
+              <a:t>delete n/Alice</a:t>
             </a:r>
           </a:p>
         </p:txBody>
@@ -4304,8 +4304,8 @@
         </p:nvSpPr>
         <p:spPr>
           <a:xfrm>
-            <a:off x="2552219" y="3082866"/>
-            <a:ext cx="1424846" cy="215444"/>
+            <a:off x="2686639" y="3082866"/>
+            <a:ext cx="1290425" cy="430887"/>
           </a:xfrm>
           <a:prstGeom prst="rect">
             <a:avLst/>
@@ -4325,7 +4325,7 @@
                   <a:srgbClr val="0070C0"/>
                 </a:solidFill>
               </a:rPr>
-              <a:t>execute(“delete 1”)</a:t>
+              <a:t>execute(“delete n/Alice”)</a:t>
             </a:r>
           </a:p>
         </p:txBody>
@@ -4377,7 +4377,7 @@
         <p:spPr>
           <a:xfrm>
             <a:off x="4371378" y="3150453"/>
-            <a:ext cx="1228707" cy="215444"/>
+            <a:ext cx="1228707" cy="430887"/>
           </a:xfrm>
           <a:prstGeom prst="rect">
             <a:avLst/>
@@ -4397,7 +4397,7 @@
                   <a:srgbClr val="7030A0"/>
                 </a:solidFill>
               </a:rPr>
-              <a:t>deletePerson</a:t>
+              <a:t>deleteBook</a:t>
             </a:r>
             <a:r>
               <a:rPr lang="en-US" sz="1400" dirty="0">
@@ -4405,7 +4405,18 @@
                   <a:srgbClr val="7030A0"/>
                 </a:solidFill>
               </a:rPr>
-              <a:t>(p)</a:t>
+              <a:t>(</a:t>
+            </a:r>
+          </a:p>
+          <a:p>
+            <a:pPr algn="ctr"/>
+            <a:r>
+              <a:rPr lang="en-US" sz="1400" dirty="0">
+                <a:solidFill>
+                  <a:srgbClr val="7030A0"/>
+                </a:solidFill>
+              </a:rPr>
+              <a:t>“Alice”)</a:t>
             </a:r>
           </a:p>
         </p:txBody>
@@ -4763,7 +4774,7 @@
                   </a:schemeClr>
                 </a:solidFill>
               </a:rPr>
-              <a:t>saveAddressBook</a:t>
+              <a:t>saveBookShelf</a:t>
             </a:r>
             <a:r>
               <a:rPr lang="en-US" sz="1400" dirty="0">
@@ -4783,7 +4794,7 @@
                   </a:schemeClr>
                 </a:solidFill>
               </a:rPr>
-              <a:t>AddressBook</a:t>
+              <a:t>BookShelf</a:t>
             </a:r>
             <a:r>
               <a:rPr lang="en-US" sz="1400" dirty="0">

--- a/docs/diagrams/LogicComponentSequenceDiagram.pptx
+++ b/docs/diagrams/LogicComponentSequenceDiagram.pptx
@@ -208,7 +208,7 @@
           <a:p>
             <a:fld id="{F5CC4B3F-88C1-4FFA-B1B6-F41C21DC6924}" type="datetimeFigureOut">
               <a:rPr lang="en-US" smtClean="0"/>
-              <a:t>12/15/2018</a:t>
+              <a:t>3/6/2019</a:t>
             </a:fld>
             <a:endParaRPr lang="en-US"/>
           </a:p>
@@ -738,7 +738,7 @@
           <a:p>
             <a:fld id="{78C97017-6FC3-485B-9764-EAC9E56C1D49}" type="datetimeFigureOut">
               <a:rPr lang="en-US" smtClean="0"/>
-              <a:t>12/15/2018</a:t>
+              <a:t>3/6/2019</a:t>
             </a:fld>
             <a:endParaRPr lang="en-US"/>
           </a:p>
@@ -906,7 +906,7 @@
           <a:p>
             <a:fld id="{78C97017-6FC3-485B-9764-EAC9E56C1D49}" type="datetimeFigureOut">
               <a:rPr lang="en-US" smtClean="0"/>
-              <a:t>12/15/2018</a:t>
+              <a:t>3/6/2019</a:t>
             </a:fld>
             <a:endParaRPr lang="en-US"/>
           </a:p>
@@ -1084,7 +1084,7 @@
           <a:p>
             <a:fld id="{78C97017-6FC3-485B-9764-EAC9E56C1D49}" type="datetimeFigureOut">
               <a:rPr lang="en-US" smtClean="0"/>
-              <a:t>12/15/2018</a:t>
+              <a:t>3/6/2019</a:t>
             </a:fld>
             <a:endParaRPr lang="en-US"/>
           </a:p>
@@ -1252,7 +1252,7 @@
           <a:p>
             <a:fld id="{78C97017-6FC3-485B-9764-EAC9E56C1D49}" type="datetimeFigureOut">
               <a:rPr lang="en-US" smtClean="0"/>
-              <a:t>12/15/2018</a:t>
+              <a:t>3/6/2019</a:t>
             </a:fld>
             <a:endParaRPr lang="en-US"/>
           </a:p>
@@ -1497,7 +1497,7 @@
           <a:p>
             <a:fld id="{78C97017-6FC3-485B-9764-EAC9E56C1D49}" type="datetimeFigureOut">
               <a:rPr lang="en-US" smtClean="0"/>
-              <a:t>12/15/2018</a:t>
+              <a:t>3/6/2019</a:t>
             </a:fld>
             <a:endParaRPr lang="en-US"/>
           </a:p>
@@ -1782,7 +1782,7 @@
           <a:p>
             <a:fld id="{78C97017-6FC3-485B-9764-EAC9E56C1D49}" type="datetimeFigureOut">
               <a:rPr lang="en-US" smtClean="0"/>
-              <a:t>12/15/2018</a:t>
+              <a:t>3/6/2019</a:t>
             </a:fld>
             <a:endParaRPr lang="en-US"/>
           </a:p>
@@ -2201,7 +2201,7 @@
           <a:p>
             <a:fld id="{78C97017-6FC3-485B-9764-EAC9E56C1D49}" type="datetimeFigureOut">
               <a:rPr lang="en-US" smtClean="0"/>
-              <a:t>12/15/2018</a:t>
+              <a:t>3/6/2019</a:t>
             </a:fld>
             <a:endParaRPr lang="en-US"/>
           </a:p>
@@ -2318,7 +2318,7 @@
           <a:p>
             <a:fld id="{78C97017-6FC3-485B-9764-EAC9E56C1D49}" type="datetimeFigureOut">
               <a:rPr lang="en-US" smtClean="0"/>
-              <a:t>12/15/2018</a:t>
+              <a:t>3/6/2019</a:t>
             </a:fld>
             <a:endParaRPr lang="en-US"/>
           </a:p>
@@ -2413,7 +2413,7 @@
           <a:p>
             <a:fld id="{78C97017-6FC3-485B-9764-EAC9E56C1D49}" type="datetimeFigureOut">
               <a:rPr lang="en-US" smtClean="0"/>
-              <a:t>12/15/2018</a:t>
+              <a:t>3/6/2019</a:t>
             </a:fld>
             <a:endParaRPr lang="en-US"/>
           </a:p>
@@ -2688,7 +2688,7 @@
           <a:p>
             <a:fld id="{78C97017-6FC3-485B-9764-EAC9E56C1D49}" type="datetimeFigureOut">
               <a:rPr lang="en-US" smtClean="0"/>
-              <a:t>12/15/2018</a:t>
+              <a:t>3/6/2019</a:t>
             </a:fld>
             <a:endParaRPr lang="en-US"/>
           </a:p>
@@ -2940,7 +2940,7 @@
           <a:p>
             <a:fld id="{78C97017-6FC3-485B-9764-EAC9E56C1D49}" type="datetimeFigureOut">
               <a:rPr lang="en-US" smtClean="0"/>
-              <a:t>12/15/2018</a:t>
+              <a:t>3/6/2019</a:t>
             </a:fld>
             <a:endParaRPr lang="en-US"/>
           </a:p>
@@ -3151,7 +3151,7 @@
           <a:p>
             <a:fld id="{78C97017-6FC3-485B-9764-EAC9E56C1D49}" type="datetimeFigureOut">
               <a:rPr lang="en-US" smtClean="0"/>
-              <a:t>12/15/2018</a:t>
+              <a:t>3/6/2019</a:t>
             </a:fld>
             <a:endParaRPr lang="en-US"/>
           </a:p>
@@ -4236,8 +4236,8 @@
         </p:nvSpPr>
         <p:spPr>
           <a:xfrm>
-            <a:off x="1345305" y="2989204"/>
-            <a:ext cx="860170" cy="215444"/>
+            <a:off x="968234" y="2989204"/>
+            <a:ext cx="1515617" cy="215444"/>
           </a:xfrm>
           <a:prstGeom prst="rect">
             <a:avLst/>
@@ -4252,8 +4252,12 @@
           <a:p>
             <a:pPr algn="ctr"/>
             <a:r>
+              <a:rPr lang="en-US" sz="1400" dirty="0" err="1"/>
+              <a:t>deletecustomer</a:t>
+            </a:r>
+            <a:r>
               <a:rPr lang="en-US" sz="1400" dirty="0"/>
-              <a:t>delete 1</a:t>
+              <a:t> 1</a:t>
             </a:r>
           </a:p>
         </p:txBody>
@@ -4304,8 +4308,8 @@
         </p:nvSpPr>
         <p:spPr>
           <a:xfrm>
-            <a:off x="2552219" y="3082866"/>
-            <a:ext cx="1424846" cy="215444"/>
+            <a:off x="2492258" y="3082866"/>
+            <a:ext cx="1542753" cy="430887"/>
           </a:xfrm>
           <a:prstGeom prst="rect">
             <a:avLst/>
@@ -4325,7 +4329,34 @@
                   <a:srgbClr val="0070C0"/>
                 </a:solidFill>
               </a:rPr>
-              <a:t>execute(“delete 1”)</a:t>
+              <a:t>execute(</a:t>
+            </a:r>
+          </a:p>
+          <a:p>
+            <a:pPr algn="ctr"/>
+            <a:r>
+              <a:rPr lang="en-US" sz="1400" dirty="0">
+                <a:solidFill>
+                  <a:srgbClr val="0070C0"/>
+                </a:solidFill>
+              </a:rPr>
+              <a:t>“</a:t>
+            </a:r>
+            <a:r>
+              <a:rPr lang="en-US" sz="1400" dirty="0" err="1">
+                <a:solidFill>
+                  <a:srgbClr val="0070C0"/>
+                </a:solidFill>
+              </a:rPr>
+              <a:t>deletecustomer</a:t>
+            </a:r>
+            <a:r>
+              <a:rPr lang="en-US" sz="1400" dirty="0">
+                <a:solidFill>
+                  <a:srgbClr val="0070C0"/>
+                </a:solidFill>
+              </a:rPr>
+              <a:t> 1”)</a:t>
             </a:r>
           </a:p>
         </p:txBody>
@@ -4376,8 +4407,8 @@
         </p:nvSpPr>
         <p:spPr>
           <a:xfrm>
-            <a:off x="4371378" y="3150453"/>
-            <a:ext cx="1228707" cy="215444"/>
+            <a:off x="4203434" y="3150453"/>
+            <a:ext cx="1486782" cy="215444"/>
           </a:xfrm>
           <a:prstGeom prst="rect">
             <a:avLst/>
@@ -4397,7 +4428,7 @@
                   <a:srgbClr val="7030A0"/>
                 </a:solidFill>
               </a:rPr>
-              <a:t>deletePerson</a:t>
+              <a:t>deleteCustomer</a:t>
             </a:r>
             <a:r>
               <a:rPr lang="en-US" sz="1400" dirty="0">

--- a/docs/diagrams/LogicComponentSequenceDiagram.pptx
+++ b/docs/diagrams/LogicComponentSequenceDiagram.pptx
@@ -208,7 +208,7 @@
           <a:p>
             <a:fld id="{F5CC4B3F-88C1-4FFA-B1B6-F41C21DC6924}" type="datetimeFigureOut">
               <a:rPr lang="en-US" smtClean="0"/>
-              <a:t>12/15/2018</a:t>
+              <a:t>3/12/2019</a:t>
             </a:fld>
             <a:endParaRPr lang="en-US"/>
           </a:p>
@@ -738,7 +738,7 @@
           <a:p>
             <a:fld id="{78C97017-6FC3-485B-9764-EAC9E56C1D49}" type="datetimeFigureOut">
               <a:rPr lang="en-US" smtClean="0"/>
-              <a:t>12/15/2018</a:t>
+              <a:t>3/12/2019</a:t>
             </a:fld>
             <a:endParaRPr lang="en-US"/>
           </a:p>
@@ -906,7 +906,7 @@
           <a:p>
             <a:fld id="{78C97017-6FC3-485B-9764-EAC9E56C1D49}" type="datetimeFigureOut">
               <a:rPr lang="en-US" smtClean="0"/>
-              <a:t>12/15/2018</a:t>
+              <a:t>3/12/2019</a:t>
             </a:fld>
             <a:endParaRPr lang="en-US"/>
           </a:p>
@@ -1084,7 +1084,7 @@
           <a:p>
             <a:fld id="{78C97017-6FC3-485B-9764-EAC9E56C1D49}" type="datetimeFigureOut">
               <a:rPr lang="en-US" smtClean="0"/>
-              <a:t>12/15/2018</a:t>
+              <a:t>3/12/2019</a:t>
             </a:fld>
             <a:endParaRPr lang="en-US"/>
           </a:p>
@@ -1252,7 +1252,7 @@
           <a:p>
             <a:fld id="{78C97017-6FC3-485B-9764-EAC9E56C1D49}" type="datetimeFigureOut">
               <a:rPr lang="en-US" smtClean="0"/>
-              <a:t>12/15/2018</a:t>
+              <a:t>3/12/2019</a:t>
             </a:fld>
             <a:endParaRPr lang="en-US"/>
           </a:p>
@@ -1497,7 +1497,7 @@
           <a:p>
             <a:fld id="{78C97017-6FC3-485B-9764-EAC9E56C1D49}" type="datetimeFigureOut">
               <a:rPr lang="en-US" smtClean="0"/>
-              <a:t>12/15/2018</a:t>
+              <a:t>3/12/2019</a:t>
             </a:fld>
             <a:endParaRPr lang="en-US"/>
           </a:p>
@@ -1782,7 +1782,7 @@
           <a:p>
             <a:fld id="{78C97017-6FC3-485B-9764-EAC9E56C1D49}" type="datetimeFigureOut">
               <a:rPr lang="en-US" smtClean="0"/>
-              <a:t>12/15/2018</a:t>
+              <a:t>3/12/2019</a:t>
             </a:fld>
             <a:endParaRPr lang="en-US"/>
           </a:p>
@@ -2201,7 +2201,7 @@
           <a:p>
             <a:fld id="{78C97017-6FC3-485B-9764-EAC9E56C1D49}" type="datetimeFigureOut">
               <a:rPr lang="en-US" smtClean="0"/>
-              <a:t>12/15/2018</a:t>
+              <a:t>3/12/2019</a:t>
             </a:fld>
             <a:endParaRPr lang="en-US"/>
           </a:p>
@@ -2318,7 +2318,7 @@
           <a:p>
             <a:fld id="{78C97017-6FC3-485B-9764-EAC9E56C1D49}" type="datetimeFigureOut">
               <a:rPr lang="en-US" smtClean="0"/>
-              <a:t>12/15/2018</a:t>
+              <a:t>3/12/2019</a:t>
             </a:fld>
             <a:endParaRPr lang="en-US"/>
           </a:p>
@@ -2413,7 +2413,7 @@
           <a:p>
             <a:fld id="{78C97017-6FC3-485B-9764-EAC9E56C1D49}" type="datetimeFigureOut">
               <a:rPr lang="en-US" smtClean="0"/>
-              <a:t>12/15/2018</a:t>
+              <a:t>3/12/2019</a:t>
             </a:fld>
             <a:endParaRPr lang="en-US"/>
           </a:p>
@@ -2688,7 +2688,7 @@
           <a:p>
             <a:fld id="{78C97017-6FC3-485B-9764-EAC9E56C1D49}" type="datetimeFigureOut">
               <a:rPr lang="en-US" smtClean="0"/>
-              <a:t>12/15/2018</a:t>
+              <a:t>3/12/2019</a:t>
             </a:fld>
             <a:endParaRPr lang="en-US"/>
           </a:p>
@@ -2940,7 +2940,7 @@
           <a:p>
             <a:fld id="{78C97017-6FC3-485B-9764-EAC9E56C1D49}" type="datetimeFigureOut">
               <a:rPr lang="en-US" smtClean="0"/>
-              <a:t>12/15/2018</a:t>
+              <a:t>3/12/2019</a:t>
             </a:fld>
             <a:endParaRPr lang="en-US"/>
           </a:p>
@@ -3151,7 +3151,7 @@
           <a:p>
             <a:fld id="{78C97017-6FC3-485B-9764-EAC9E56C1D49}" type="datetimeFigureOut">
               <a:rPr lang="en-US" smtClean="0"/>
-              <a:t>12/15/2018</a:t>
+              <a:t>3/12/2019</a:t>
             </a:fld>
             <a:endParaRPr lang="en-US"/>
           </a:p>
@@ -4397,7 +4397,7 @@
                   <a:srgbClr val="7030A0"/>
                 </a:solidFill>
               </a:rPr>
-              <a:t>deletePerson</a:t>
+              <a:t>deletePlace</a:t>
             </a:r>
             <a:r>
               <a:rPr lang="en-US" sz="1400" dirty="0">

--- a/docs/diagrams/LogicComponentSequenceDiagram.pptx
+++ b/docs/diagrams/LogicComponentSequenceDiagram.pptx
@@ -208,7 +208,7 @@
           <a:p>
             <a:fld id="{F5CC4B3F-88C1-4FFA-B1B6-F41C21DC6924}" type="datetimeFigureOut">
               <a:rPr lang="en-US" smtClean="0"/>
-              <a:t>12/15/2018</a:t>
+              <a:t>3/18/19</a:t>
             </a:fld>
             <a:endParaRPr lang="en-US"/>
           </a:p>
@@ -738,7 +738,7 @@
           <a:p>
             <a:fld id="{78C97017-6FC3-485B-9764-EAC9E56C1D49}" type="datetimeFigureOut">
               <a:rPr lang="en-US" smtClean="0"/>
-              <a:t>12/15/2018</a:t>
+              <a:t>3/18/19</a:t>
             </a:fld>
             <a:endParaRPr lang="en-US"/>
           </a:p>
@@ -906,7 +906,7 @@
           <a:p>
             <a:fld id="{78C97017-6FC3-485B-9764-EAC9E56C1D49}" type="datetimeFigureOut">
               <a:rPr lang="en-US" smtClean="0"/>
-              <a:t>12/15/2018</a:t>
+              <a:t>3/18/19</a:t>
             </a:fld>
             <a:endParaRPr lang="en-US"/>
           </a:p>
@@ -1084,7 +1084,7 @@
           <a:p>
             <a:fld id="{78C97017-6FC3-485B-9764-EAC9E56C1D49}" type="datetimeFigureOut">
               <a:rPr lang="en-US" smtClean="0"/>
-              <a:t>12/15/2018</a:t>
+              <a:t>3/18/19</a:t>
             </a:fld>
             <a:endParaRPr lang="en-US"/>
           </a:p>
@@ -1252,7 +1252,7 @@
           <a:p>
             <a:fld id="{78C97017-6FC3-485B-9764-EAC9E56C1D49}" type="datetimeFigureOut">
               <a:rPr lang="en-US" smtClean="0"/>
-              <a:t>12/15/2018</a:t>
+              <a:t>3/18/19</a:t>
             </a:fld>
             <a:endParaRPr lang="en-US"/>
           </a:p>
@@ -1497,7 +1497,7 @@
           <a:p>
             <a:fld id="{78C97017-6FC3-485B-9764-EAC9E56C1D49}" type="datetimeFigureOut">
               <a:rPr lang="en-US" smtClean="0"/>
-              <a:t>12/15/2018</a:t>
+              <a:t>3/18/19</a:t>
             </a:fld>
             <a:endParaRPr lang="en-US"/>
           </a:p>
@@ -1782,7 +1782,7 @@
           <a:p>
             <a:fld id="{78C97017-6FC3-485B-9764-EAC9E56C1D49}" type="datetimeFigureOut">
               <a:rPr lang="en-US" smtClean="0"/>
-              <a:t>12/15/2018</a:t>
+              <a:t>3/18/19</a:t>
             </a:fld>
             <a:endParaRPr lang="en-US"/>
           </a:p>
@@ -2201,7 +2201,7 @@
           <a:p>
             <a:fld id="{78C97017-6FC3-485B-9764-EAC9E56C1D49}" type="datetimeFigureOut">
               <a:rPr lang="en-US" smtClean="0"/>
-              <a:t>12/15/2018</a:t>
+              <a:t>3/18/19</a:t>
             </a:fld>
             <a:endParaRPr lang="en-US"/>
           </a:p>
@@ -2318,7 +2318,7 @@
           <a:p>
             <a:fld id="{78C97017-6FC3-485B-9764-EAC9E56C1D49}" type="datetimeFigureOut">
               <a:rPr lang="en-US" smtClean="0"/>
-              <a:t>12/15/2018</a:t>
+              <a:t>3/18/19</a:t>
             </a:fld>
             <a:endParaRPr lang="en-US"/>
           </a:p>
@@ -2413,7 +2413,7 @@
           <a:p>
             <a:fld id="{78C97017-6FC3-485B-9764-EAC9E56C1D49}" type="datetimeFigureOut">
               <a:rPr lang="en-US" smtClean="0"/>
-              <a:t>12/15/2018</a:t>
+              <a:t>3/18/19</a:t>
             </a:fld>
             <a:endParaRPr lang="en-US"/>
           </a:p>
@@ -2688,7 +2688,7 @@
           <a:p>
             <a:fld id="{78C97017-6FC3-485B-9764-EAC9E56C1D49}" type="datetimeFigureOut">
               <a:rPr lang="en-US" smtClean="0"/>
-              <a:t>12/15/2018</a:t>
+              <a:t>3/18/19</a:t>
             </a:fld>
             <a:endParaRPr lang="en-US"/>
           </a:p>
@@ -2940,7 +2940,7 @@
           <a:p>
             <a:fld id="{78C97017-6FC3-485B-9764-EAC9E56C1D49}" type="datetimeFigureOut">
               <a:rPr lang="en-US" smtClean="0"/>
-              <a:t>12/15/2018</a:t>
+              <a:t>3/18/19</a:t>
             </a:fld>
             <a:endParaRPr lang="en-US"/>
           </a:p>
@@ -3151,7 +3151,7 @@
           <a:p>
             <a:fld id="{78C97017-6FC3-485B-9764-EAC9E56C1D49}" type="datetimeFigureOut">
               <a:rPr lang="en-US" smtClean="0"/>
-              <a:t>12/15/2018</a:t>
+              <a:t>3/18/19</a:t>
             </a:fld>
             <a:endParaRPr lang="en-US"/>
           </a:p>
@@ -4397,7 +4397,7 @@
                   <a:srgbClr val="7030A0"/>
                 </a:solidFill>
               </a:rPr>
-              <a:t>deletePerson</a:t>
+              <a:t>deletePdf</a:t>
             </a:r>
             <a:r>
               <a:rPr lang="en-US" sz="1400" dirty="0">
@@ -4763,7 +4763,7 @@
                   </a:schemeClr>
                 </a:solidFill>
               </a:rPr>
-              <a:t>saveAddressBook</a:t>
+              <a:t>savePdfBook</a:t>
             </a:r>
             <a:r>
               <a:rPr lang="en-US" sz="1400" dirty="0">
@@ -4773,27 +4773,7 @@
                   </a:schemeClr>
                 </a:solidFill>
               </a:rPr>
-              <a:t>(</a:t>
-            </a:r>
-            <a:r>
-              <a:rPr lang="en-US" sz="1400" dirty="0" err="1">
-                <a:solidFill>
-                  <a:schemeClr val="accent6">
-                    <a:lumMod val="75000"/>
-                  </a:schemeClr>
-                </a:solidFill>
-              </a:rPr>
-              <a:t>AddressBook</a:t>
-            </a:r>
-            <a:r>
-              <a:rPr lang="en-US" sz="1400" dirty="0">
-                <a:solidFill>
-                  <a:schemeClr val="accent6">
-                    <a:lumMod val="75000"/>
-                  </a:schemeClr>
-                </a:solidFill>
-              </a:rPr>
-              <a:t>)</a:t>
+              <a:t>(Pdf)</a:t>
             </a:r>
           </a:p>
         </p:txBody>

--- a/docs/diagrams/LogicComponentSequenceDiagram.pptx
+++ b/docs/diagrams/LogicComponentSequenceDiagram.pptx
@@ -208,7 +208,7 @@
           <a:p>
             <a:fld id="{F5CC4B3F-88C1-4FFA-B1B6-F41C21DC6924}" type="datetimeFigureOut">
               <a:rPr lang="en-US" smtClean="0"/>
-              <a:t>3/12/2019</a:t>
+              <a:t>22-Mar-19</a:t>
             </a:fld>
             <a:endParaRPr lang="en-US"/>
           </a:p>
@@ -738,7 +738,7 @@
           <a:p>
             <a:fld id="{78C97017-6FC3-485B-9764-EAC9E56C1D49}" type="datetimeFigureOut">
               <a:rPr lang="en-US" smtClean="0"/>
-              <a:t>3/12/2019</a:t>
+              <a:t>22-Mar-19</a:t>
             </a:fld>
             <a:endParaRPr lang="en-US"/>
           </a:p>
@@ -906,7 +906,7 @@
           <a:p>
             <a:fld id="{78C97017-6FC3-485B-9764-EAC9E56C1D49}" type="datetimeFigureOut">
               <a:rPr lang="en-US" smtClean="0"/>
-              <a:t>3/12/2019</a:t>
+              <a:t>22-Mar-19</a:t>
             </a:fld>
             <a:endParaRPr lang="en-US"/>
           </a:p>
@@ -1084,7 +1084,7 @@
           <a:p>
             <a:fld id="{78C97017-6FC3-485B-9764-EAC9E56C1D49}" type="datetimeFigureOut">
               <a:rPr lang="en-US" smtClean="0"/>
-              <a:t>3/12/2019</a:t>
+              <a:t>22-Mar-19</a:t>
             </a:fld>
             <a:endParaRPr lang="en-US"/>
           </a:p>
@@ -1252,7 +1252,7 @@
           <a:p>
             <a:fld id="{78C97017-6FC3-485B-9764-EAC9E56C1D49}" type="datetimeFigureOut">
               <a:rPr lang="en-US" smtClean="0"/>
-              <a:t>3/12/2019</a:t>
+              <a:t>22-Mar-19</a:t>
             </a:fld>
             <a:endParaRPr lang="en-US"/>
           </a:p>
@@ -1497,7 +1497,7 @@
           <a:p>
             <a:fld id="{78C97017-6FC3-485B-9764-EAC9E56C1D49}" type="datetimeFigureOut">
               <a:rPr lang="en-US" smtClean="0"/>
-              <a:t>3/12/2019</a:t>
+              <a:t>22-Mar-19</a:t>
             </a:fld>
             <a:endParaRPr lang="en-US"/>
           </a:p>
@@ -1782,7 +1782,7 @@
           <a:p>
             <a:fld id="{78C97017-6FC3-485B-9764-EAC9E56C1D49}" type="datetimeFigureOut">
               <a:rPr lang="en-US" smtClean="0"/>
-              <a:t>3/12/2019</a:t>
+              <a:t>22-Mar-19</a:t>
             </a:fld>
             <a:endParaRPr lang="en-US"/>
           </a:p>
@@ -2201,7 +2201,7 @@
           <a:p>
             <a:fld id="{78C97017-6FC3-485B-9764-EAC9E56C1D49}" type="datetimeFigureOut">
               <a:rPr lang="en-US" smtClean="0"/>
-              <a:t>3/12/2019</a:t>
+              <a:t>22-Mar-19</a:t>
             </a:fld>
             <a:endParaRPr lang="en-US"/>
           </a:p>
@@ -2318,7 +2318,7 @@
           <a:p>
             <a:fld id="{78C97017-6FC3-485B-9764-EAC9E56C1D49}" type="datetimeFigureOut">
               <a:rPr lang="en-US" smtClean="0"/>
-              <a:t>3/12/2019</a:t>
+              <a:t>22-Mar-19</a:t>
             </a:fld>
             <a:endParaRPr lang="en-US"/>
           </a:p>
@@ -2413,7 +2413,7 @@
           <a:p>
             <a:fld id="{78C97017-6FC3-485B-9764-EAC9E56C1D49}" type="datetimeFigureOut">
               <a:rPr lang="en-US" smtClean="0"/>
-              <a:t>3/12/2019</a:t>
+              <a:t>22-Mar-19</a:t>
             </a:fld>
             <a:endParaRPr lang="en-US"/>
           </a:p>
@@ -2688,7 +2688,7 @@
           <a:p>
             <a:fld id="{78C97017-6FC3-485B-9764-EAC9E56C1D49}" type="datetimeFigureOut">
               <a:rPr lang="en-US" smtClean="0"/>
-              <a:t>3/12/2019</a:t>
+              <a:t>22-Mar-19</a:t>
             </a:fld>
             <a:endParaRPr lang="en-US"/>
           </a:p>
@@ -2940,7 +2940,7 @@
           <a:p>
             <a:fld id="{78C97017-6FC3-485B-9764-EAC9E56C1D49}" type="datetimeFigureOut">
               <a:rPr lang="en-US" smtClean="0"/>
-              <a:t>3/12/2019</a:t>
+              <a:t>22-Mar-19</a:t>
             </a:fld>
             <a:endParaRPr lang="en-US"/>
           </a:p>
@@ -3151,7 +3151,7 @@
           <a:p>
             <a:fld id="{78C97017-6FC3-485B-9764-EAC9E56C1D49}" type="datetimeFigureOut">
               <a:rPr lang="en-US" smtClean="0"/>
-              <a:t>3/12/2019</a:t>
+              <a:t>22-Mar-19</a:t>
             </a:fld>
             <a:endParaRPr lang="en-US"/>
           </a:p>
@@ -4763,38 +4763,25 @@
                   </a:schemeClr>
                 </a:solidFill>
               </a:rPr>
-              <a:t>saveAddressBook</a:t>
-            </a:r>
-            <a:r>
-              <a:rPr lang="en-US" sz="1400" dirty="0">
+              <a:t>saveTravelBuddy</a:t>
+            </a:r>
+            <a:r>
+              <a:rPr lang="en-US" sz="1400">
                 <a:solidFill>
                   <a:schemeClr val="accent6">
                     <a:lumMod val="75000"/>
                   </a:schemeClr>
                 </a:solidFill>
               </a:rPr>
-              <a:t>(</a:t>
-            </a:r>
-            <a:r>
-              <a:rPr lang="en-US" sz="1400" dirty="0" err="1">
-                <a:solidFill>
-                  <a:schemeClr val="accent6">
-                    <a:lumMod val="75000"/>
-                  </a:schemeClr>
-                </a:solidFill>
-              </a:rPr>
-              <a:t>AddressBook</a:t>
-            </a:r>
-            <a:r>
-              <a:rPr lang="en-US" sz="1400" dirty="0">
-                <a:solidFill>
-                  <a:schemeClr val="accent6">
-                    <a:lumMod val="75000"/>
-                  </a:schemeClr>
-                </a:solidFill>
-              </a:rPr>
-              <a:t>)</a:t>
-            </a:r>
+              <a:t>(TravelBuddy)</a:t>
+            </a:r>
+            <a:endParaRPr lang="en-US" sz="1400" dirty="0">
+              <a:solidFill>
+                <a:schemeClr val="accent6">
+                  <a:lumMod val="75000"/>
+                </a:schemeClr>
+              </a:solidFill>
+            </a:endParaRPr>
           </a:p>
         </p:txBody>
       </p:sp>

--- a/docs/diagrams/LogicComponentSequenceDiagram.pptx
+++ b/docs/diagrams/LogicComponentSequenceDiagram.pptx
@@ -208,7 +208,7 @@
           <a:p>
             <a:fld id="{F5CC4B3F-88C1-4FFA-B1B6-F41C21DC6924}" type="datetimeFigureOut">
               <a:rPr lang="en-US" smtClean="0"/>
-              <a:t>3/4/2019</a:t>
+              <a:t>3/22/19</a:t>
             </a:fld>
             <a:endParaRPr lang="en-US"/>
           </a:p>
@@ -738,7 +738,7 @@
           <a:p>
             <a:fld id="{78C97017-6FC3-485B-9764-EAC9E56C1D49}" type="datetimeFigureOut">
               <a:rPr lang="en-US" smtClean="0"/>
-              <a:t>3/4/2019</a:t>
+              <a:t>3/22/19</a:t>
             </a:fld>
             <a:endParaRPr lang="en-US"/>
           </a:p>
@@ -906,7 +906,7 @@
           <a:p>
             <a:fld id="{78C97017-6FC3-485B-9764-EAC9E56C1D49}" type="datetimeFigureOut">
               <a:rPr lang="en-US" smtClean="0"/>
-              <a:t>3/4/2019</a:t>
+              <a:t>3/22/19</a:t>
             </a:fld>
             <a:endParaRPr lang="en-US"/>
           </a:p>
@@ -1084,7 +1084,7 @@
           <a:p>
             <a:fld id="{78C97017-6FC3-485B-9764-EAC9E56C1D49}" type="datetimeFigureOut">
               <a:rPr lang="en-US" smtClean="0"/>
-              <a:t>3/4/2019</a:t>
+              <a:t>3/22/19</a:t>
             </a:fld>
             <a:endParaRPr lang="en-US"/>
           </a:p>
@@ -1252,7 +1252,7 @@
           <a:p>
             <a:fld id="{78C97017-6FC3-485B-9764-EAC9E56C1D49}" type="datetimeFigureOut">
               <a:rPr lang="en-US" smtClean="0"/>
-              <a:t>3/4/2019</a:t>
+              <a:t>3/22/19</a:t>
             </a:fld>
             <a:endParaRPr lang="en-US"/>
           </a:p>
@@ -1497,7 +1497,7 @@
           <a:p>
             <a:fld id="{78C97017-6FC3-485B-9764-EAC9E56C1D49}" type="datetimeFigureOut">
               <a:rPr lang="en-US" smtClean="0"/>
-              <a:t>3/4/2019</a:t>
+              <a:t>3/22/19</a:t>
             </a:fld>
             <a:endParaRPr lang="en-US"/>
           </a:p>
@@ -1782,7 +1782,7 @@
           <a:p>
             <a:fld id="{78C97017-6FC3-485B-9764-EAC9E56C1D49}" type="datetimeFigureOut">
               <a:rPr lang="en-US" smtClean="0"/>
-              <a:t>3/4/2019</a:t>
+              <a:t>3/22/19</a:t>
             </a:fld>
             <a:endParaRPr lang="en-US"/>
           </a:p>
@@ -2201,7 +2201,7 @@
           <a:p>
             <a:fld id="{78C97017-6FC3-485B-9764-EAC9E56C1D49}" type="datetimeFigureOut">
               <a:rPr lang="en-US" smtClean="0"/>
-              <a:t>3/4/2019</a:t>
+              <a:t>3/22/19</a:t>
             </a:fld>
             <a:endParaRPr lang="en-US"/>
           </a:p>
@@ -2318,7 +2318,7 @@
           <a:p>
             <a:fld id="{78C97017-6FC3-485B-9764-EAC9E56C1D49}" type="datetimeFigureOut">
               <a:rPr lang="en-US" smtClean="0"/>
-              <a:t>3/4/2019</a:t>
+              <a:t>3/22/19</a:t>
             </a:fld>
             <a:endParaRPr lang="en-US"/>
           </a:p>
@@ -2413,7 +2413,7 @@
           <a:p>
             <a:fld id="{78C97017-6FC3-485B-9764-EAC9E56C1D49}" type="datetimeFigureOut">
               <a:rPr lang="en-US" smtClean="0"/>
-              <a:t>3/4/2019</a:t>
+              <a:t>3/22/19</a:t>
             </a:fld>
             <a:endParaRPr lang="en-US"/>
           </a:p>
@@ -2688,7 +2688,7 @@
           <a:p>
             <a:fld id="{78C97017-6FC3-485B-9764-EAC9E56C1D49}" type="datetimeFigureOut">
               <a:rPr lang="en-US" smtClean="0"/>
-              <a:t>3/4/2019</a:t>
+              <a:t>3/22/19</a:t>
             </a:fld>
             <a:endParaRPr lang="en-US"/>
           </a:p>
@@ -2940,7 +2940,7 @@
           <a:p>
             <a:fld id="{78C97017-6FC3-485B-9764-EAC9E56C1D49}" type="datetimeFigureOut">
               <a:rPr lang="en-US" smtClean="0"/>
-              <a:t>3/4/2019</a:t>
+              <a:t>3/22/19</a:t>
             </a:fld>
             <a:endParaRPr lang="en-US"/>
           </a:p>
@@ -3151,7 +3151,7 @@
           <a:p>
             <a:fld id="{78C97017-6FC3-485B-9764-EAC9E56C1D49}" type="datetimeFigureOut">
               <a:rPr lang="en-US" smtClean="0"/>
-              <a:t>3/4/2019</a:t>
+              <a:t>3/22/19</a:t>
             </a:fld>
             <a:endParaRPr lang="en-US"/>
           </a:p>
@@ -4237,7 +4237,7 @@
         <p:spPr>
           <a:xfrm>
             <a:off x="1073520" y="3013971"/>
-            <a:ext cx="1312737" cy="215444"/>
+            <a:ext cx="1312737" cy="430887"/>
           </a:xfrm>
           <a:prstGeom prst="rect">
             <a:avLst/>
@@ -4252,8 +4252,12 @@
           <a:p>
             <a:pPr algn="ctr"/>
             <a:r>
+              <a:rPr lang="en-US" sz="1400" dirty="0" err="1"/>
+              <a:t>deleteBook</a:t>
+            </a:r>
+            <a:r>
               <a:rPr lang="en-US" sz="1400" dirty="0"/>
-              <a:t>delete n/Alice</a:t>
+              <a:t> n/Alice</a:t>
             </a:r>
           </a:p>
         </p:txBody>
@@ -4304,8 +4308,8 @@
         </p:nvSpPr>
         <p:spPr>
           <a:xfrm>
-            <a:off x="2686639" y="3082866"/>
-            <a:ext cx="1290425" cy="430887"/>
+            <a:off x="2485908" y="3082866"/>
+            <a:ext cx="1562949" cy="430887"/>
           </a:xfrm>
           <a:prstGeom prst="rect">
             <a:avLst/>
@@ -4325,7 +4329,23 @@
                   <a:srgbClr val="0070C0"/>
                 </a:solidFill>
               </a:rPr>
-              <a:t>execute(“delete n/Alice”)</a:t>
+              <a:t>execute(“</a:t>
+            </a:r>
+            <a:r>
+              <a:rPr lang="en-US" sz="1400" dirty="0" err="1">
+                <a:solidFill>
+                  <a:srgbClr val="0070C0"/>
+                </a:solidFill>
+              </a:rPr>
+              <a:t>deleteBook</a:t>
+            </a:r>
+            <a:r>
+              <a:rPr lang="en-US" sz="1400" dirty="0">
+                <a:solidFill>
+                  <a:srgbClr val="0070C0"/>
+                </a:solidFill>
+              </a:rPr>
+              <a:t> n/Alice”)</a:t>
             </a:r>
           </a:p>
         </p:txBody>

--- a/docs/diagrams/LogicComponentSequenceDiagram.pptx
+++ b/docs/diagrams/LogicComponentSequenceDiagram.pptx
@@ -109,7 +109,7 @@
   </p:defaultTextStyle>
   <p:extLst>
     <p:ext uri="{EFAFB233-063F-42B5-8137-9DF3F51BA10A}">
-      <p15:sldGuideLst xmlns:p15="http://schemas.microsoft.com/office/powerpoint/2012/main">
+      <p15:sldGuideLst xmlns:p15="http://schemas.microsoft.com/office/powerpoint/2012/main" xmlns="">
         <p15:guide id="1" orient="horz" pos="1488">
           <p15:clr>
             <a:srgbClr val="A4A3A4"/>
@@ -208,7 +208,8 @@
           <a:p>
             <a:fld id="{F5CC4B3F-88C1-4FFA-B1B6-F41C21DC6924}" type="datetimeFigureOut">
               <a:rPr lang="en-US" smtClean="0"/>
-              <a:t>12/15/2018</a:t>
+              <a:pPr/>
+              <a:t>3/31/2019</a:t>
             </a:fld>
             <a:endParaRPr lang="en-US"/>
           </a:p>
@@ -366,6 +367,7 @@
           <a:p>
             <a:fld id="{5A7AB025-77E3-4BD1-A2FD-B3183DBA47A3}" type="slidenum">
               <a:rPr lang="en-US" smtClean="0"/>
+              <a:pPr/>
               <a:t>‹#›</a:t>
             </a:fld>
             <a:endParaRPr lang="en-US"/>
@@ -375,7 +377,7 @@
     </p:spTree>
     <p:extLst>
       <p:ext uri="{BB962C8B-B14F-4D97-AF65-F5344CB8AC3E}">
-        <p14:creationId xmlns:p14="http://schemas.microsoft.com/office/powerpoint/2010/main" val="2023976206"/>
+        <p14:creationId xmlns:p14="http://schemas.microsoft.com/office/powerpoint/2010/main" xmlns="" val="2023976206"/>
       </p:ext>
     </p:extLst>
   </p:cSld>
@@ -540,6 +542,7 @@
           <a:p>
             <a:fld id="{5A7AB025-77E3-4BD1-A2FD-B3183DBA47A3}" type="slidenum">
               <a:rPr lang="en-US" smtClean="0"/>
+              <a:pPr/>
               <a:t>1</a:t>
             </a:fld>
             <a:endParaRPr lang="en-US"/>
@@ -549,7 +552,7 @@
     </p:spTree>
     <p:extLst>
       <p:ext uri="{BB962C8B-B14F-4D97-AF65-F5344CB8AC3E}">
-        <p14:creationId xmlns:p14="http://schemas.microsoft.com/office/powerpoint/2010/main" val="2503452583"/>
+        <p14:creationId xmlns:p14="http://schemas.microsoft.com/office/powerpoint/2010/main" xmlns="" val="2503452583"/>
       </p:ext>
     </p:extLst>
   </p:cSld>
@@ -738,7 +741,8 @@
           <a:p>
             <a:fld id="{78C97017-6FC3-485B-9764-EAC9E56C1D49}" type="datetimeFigureOut">
               <a:rPr lang="en-US" smtClean="0"/>
-              <a:t>12/15/2018</a:t>
+              <a:pPr/>
+              <a:t>3/31/2019</a:t>
             </a:fld>
             <a:endParaRPr lang="en-US"/>
           </a:p>
@@ -780,6 +784,7 @@
           <a:p>
             <a:fld id="{FB34683C-161B-4520-BF45-B179E228CF2A}" type="slidenum">
               <a:rPr lang="en-US" smtClean="0"/>
+              <a:pPr/>
               <a:t>‹#›</a:t>
             </a:fld>
             <a:endParaRPr lang="en-US"/>
@@ -789,7 +794,7 @@
     </p:spTree>
     <p:extLst>
       <p:ext uri="{BB962C8B-B14F-4D97-AF65-F5344CB8AC3E}">
-        <p14:creationId xmlns:p14="http://schemas.microsoft.com/office/powerpoint/2010/main" val="3246593157"/>
+        <p14:creationId xmlns:p14="http://schemas.microsoft.com/office/powerpoint/2010/main" xmlns="" val="3246593157"/>
       </p:ext>
     </p:extLst>
   </p:cSld>
@@ -906,7 +911,8 @@
           <a:p>
             <a:fld id="{78C97017-6FC3-485B-9764-EAC9E56C1D49}" type="datetimeFigureOut">
               <a:rPr lang="en-US" smtClean="0"/>
-              <a:t>12/15/2018</a:t>
+              <a:pPr/>
+              <a:t>3/31/2019</a:t>
             </a:fld>
             <a:endParaRPr lang="en-US"/>
           </a:p>
@@ -948,6 +954,7 @@
           <a:p>
             <a:fld id="{FB34683C-161B-4520-BF45-B179E228CF2A}" type="slidenum">
               <a:rPr lang="en-US" smtClean="0"/>
+              <a:pPr/>
               <a:t>‹#›</a:t>
             </a:fld>
             <a:endParaRPr lang="en-US"/>
@@ -957,7 +964,7 @@
     </p:spTree>
     <p:extLst>
       <p:ext uri="{BB962C8B-B14F-4D97-AF65-F5344CB8AC3E}">
-        <p14:creationId xmlns:p14="http://schemas.microsoft.com/office/powerpoint/2010/main" val="2707025021"/>
+        <p14:creationId xmlns:p14="http://schemas.microsoft.com/office/powerpoint/2010/main" xmlns="" val="2707025021"/>
       </p:ext>
     </p:extLst>
   </p:cSld>
@@ -1084,7 +1091,8 @@
           <a:p>
             <a:fld id="{78C97017-6FC3-485B-9764-EAC9E56C1D49}" type="datetimeFigureOut">
               <a:rPr lang="en-US" smtClean="0"/>
-              <a:t>12/15/2018</a:t>
+              <a:pPr/>
+              <a:t>3/31/2019</a:t>
             </a:fld>
             <a:endParaRPr lang="en-US"/>
           </a:p>
@@ -1126,6 +1134,7 @@
           <a:p>
             <a:fld id="{FB34683C-161B-4520-BF45-B179E228CF2A}" type="slidenum">
               <a:rPr lang="en-US" smtClean="0"/>
+              <a:pPr/>
               <a:t>‹#›</a:t>
             </a:fld>
             <a:endParaRPr lang="en-US"/>
@@ -1135,7 +1144,7 @@
     </p:spTree>
     <p:extLst>
       <p:ext uri="{BB962C8B-B14F-4D97-AF65-F5344CB8AC3E}">
-        <p14:creationId xmlns:p14="http://schemas.microsoft.com/office/powerpoint/2010/main" val="568378986"/>
+        <p14:creationId xmlns:p14="http://schemas.microsoft.com/office/powerpoint/2010/main" xmlns="" val="568378986"/>
       </p:ext>
     </p:extLst>
   </p:cSld>
@@ -1252,7 +1261,8 @@
           <a:p>
             <a:fld id="{78C97017-6FC3-485B-9764-EAC9E56C1D49}" type="datetimeFigureOut">
               <a:rPr lang="en-US" smtClean="0"/>
-              <a:t>12/15/2018</a:t>
+              <a:pPr/>
+              <a:t>3/31/2019</a:t>
             </a:fld>
             <a:endParaRPr lang="en-US"/>
           </a:p>
@@ -1294,6 +1304,7 @@
           <a:p>
             <a:fld id="{FB34683C-161B-4520-BF45-B179E228CF2A}" type="slidenum">
               <a:rPr lang="en-US" smtClean="0"/>
+              <a:pPr/>
               <a:t>‹#›</a:t>
             </a:fld>
             <a:endParaRPr lang="en-US"/>
@@ -1303,7 +1314,7 @@
     </p:spTree>
     <p:extLst>
       <p:ext uri="{BB962C8B-B14F-4D97-AF65-F5344CB8AC3E}">
-        <p14:creationId xmlns:p14="http://schemas.microsoft.com/office/powerpoint/2010/main" val="266658052"/>
+        <p14:creationId xmlns:p14="http://schemas.microsoft.com/office/powerpoint/2010/main" xmlns="" val="266658052"/>
       </p:ext>
     </p:extLst>
   </p:cSld>
@@ -1497,7 +1508,8 @@
           <a:p>
             <a:fld id="{78C97017-6FC3-485B-9764-EAC9E56C1D49}" type="datetimeFigureOut">
               <a:rPr lang="en-US" smtClean="0"/>
-              <a:t>12/15/2018</a:t>
+              <a:pPr/>
+              <a:t>3/31/2019</a:t>
             </a:fld>
             <a:endParaRPr lang="en-US"/>
           </a:p>
@@ -1539,6 +1551,7 @@
           <a:p>
             <a:fld id="{FB34683C-161B-4520-BF45-B179E228CF2A}" type="slidenum">
               <a:rPr lang="en-US" smtClean="0"/>
+              <a:pPr/>
               <a:t>‹#›</a:t>
             </a:fld>
             <a:endParaRPr lang="en-US"/>
@@ -1548,7 +1561,7 @@
     </p:spTree>
     <p:extLst>
       <p:ext uri="{BB962C8B-B14F-4D97-AF65-F5344CB8AC3E}">
-        <p14:creationId xmlns:p14="http://schemas.microsoft.com/office/powerpoint/2010/main" val="474686344"/>
+        <p14:creationId xmlns:p14="http://schemas.microsoft.com/office/powerpoint/2010/main" xmlns="" val="474686344"/>
       </p:ext>
     </p:extLst>
   </p:cSld>
@@ -1782,7 +1795,8 @@
           <a:p>
             <a:fld id="{78C97017-6FC3-485B-9764-EAC9E56C1D49}" type="datetimeFigureOut">
               <a:rPr lang="en-US" smtClean="0"/>
-              <a:t>12/15/2018</a:t>
+              <a:pPr/>
+              <a:t>3/31/2019</a:t>
             </a:fld>
             <a:endParaRPr lang="en-US"/>
           </a:p>
@@ -1824,6 +1838,7 @@
           <a:p>
             <a:fld id="{FB34683C-161B-4520-BF45-B179E228CF2A}" type="slidenum">
               <a:rPr lang="en-US" smtClean="0"/>
+              <a:pPr/>
               <a:t>‹#›</a:t>
             </a:fld>
             <a:endParaRPr lang="en-US"/>
@@ -1833,7 +1848,7 @@
     </p:spTree>
     <p:extLst>
       <p:ext uri="{BB962C8B-B14F-4D97-AF65-F5344CB8AC3E}">
-        <p14:creationId xmlns:p14="http://schemas.microsoft.com/office/powerpoint/2010/main" val="562293251"/>
+        <p14:creationId xmlns:p14="http://schemas.microsoft.com/office/powerpoint/2010/main" xmlns="" val="562293251"/>
       </p:ext>
     </p:extLst>
   </p:cSld>
@@ -2201,7 +2216,8 @@
           <a:p>
             <a:fld id="{78C97017-6FC3-485B-9764-EAC9E56C1D49}" type="datetimeFigureOut">
               <a:rPr lang="en-US" smtClean="0"/>
-              <a:t>12/15/2018</a:t>
+              <a:pPr/>
+              <a:t>3/31/2019</a:t>
             </a:fld>
             <a:endParaRPr lang="en-US"/>
           </a:p>
@@ -2243,6 +2259,7 @@
           <a:p>
             <a:fld id="{FB34683C-161B-4520-BF45-B179E228CF2A}" type="slidenum">
               <a:rPr lang="en-US" smtClean="0"/>
+              <a:pPr/>
               <a:t>‹#›</a:t>
             </a:fld>
             <a:endParaRPr lang="en-US"/>
@@ -2252,7 +2269,7 @@
     </p:spTree>
     <p:extLst>
       <p:ext uri="{BB962C8B-B14F-4D97-AF65-F5344CB8AC3E}">
-        <p14:creationId xmlns:p14="http://schemas.microsoft.com/office/powerpoint/2010/main" val="1126424250"/>
+        <p14:creationId xmlns:p14="http://schemas.microsoft.com/office/powerpoint/2010/main" xmlns="" val="1126424250"/>
       </p:ext>
     </p:extLst>
   </p:cSld>
@@ -2318,7 +2335,8 @@
           <a:p>
             <a:fld id="{78C97017-6FC3-485B-9764-EAC9E56C1D49}" type="datetimeFigureOut">
               <a:rPr lang="en-US" smtClean="0"/>
-              <a:t>12/15/2018</a:t>
+              <a:pPr/>
+              <a:t>3/31/2019</a:t>
             </a:fld>
             <a:endParaRPr lang="en-US"/>
           </a:p>
@@ -2360,6 +2378,7 @@
           <a:p>
             <a:fld id="{FB34683C-161B-4520-BF45-B179E228CF2A}" type="slidenum">
               <a:rPr lang="en-US" smtClean="0"/>
+              <a:pPr/>
               <a:t>‹#›</a:t>
             </a:fld>
             <a:endParaRPr lang="en-US"/>
@@ -2369,7 +2388,7 @@
     </p:spTree>
     <p:extLst>
       <p:ext uri="{BB962C8B-B14F-4D97-AF65-F5344CB8AC3E}">
-        <p14:creationId xmlns:p14="http://schemas.microsoft.com/office/powerpoint/2010/main" val="4159724230"/>
+        <p14:creationId xmlns:p14="http://schemas.microsoft.com/office/powerpoint/2010/main" xmlns="" val="4159724230"/>
       </p:ext>
     </p:extLst>
   </p:cSld>
@@ -2413,7 +2432,8 @@
           <a:p>
             <a:fld id="{78C97017-6FC3-485B-9764-EAC9E56C1D49}" type="datetimeFigureOut">
               <a:rPr lang="en-US" smtClean="0"/>
-              <a:t>12/15/2018</a:t>
+              <a:pPr/>
+              <a:t>3/31/2019</a:t>
             </a:fld>
             <a:endParaRPr lang="en-US"/>
           </a:p>
@@ -2455,6 +2475,7 @@
           <a:p>
             <a:fld id="{FB34683C-161B-4520-BF45-B179E228CF2A}" type="slidenum">
               <a:rPr lang="en-US" smtClean="0"/>
+              <a:pPr/>
               <a:t>‹#›</a:t>
             </a:fld>
             <a:endParaRPr lang="en-US"/>
@@ -2464,7 +2485,7 @@
     </p:spTree>
     <p:extLst>
       <p:ext uri="{BB962C8B-B14F-4D97-AF65-F5344CB8AC3E}">
-        <p14:creationId xmlns:p14="http://schemas.microsoft.com/office/powerpoint/2010/main" val="1793928710"/>
+        <p14:creationId xmlns:p14="http://schemas.microsoft.com/office/powerpoint/2010/main" xmlns="" val="1793928710"/>
       </p:ext>
     </p:extLst>
   </p:cSld>
@@ -2688,7 +2709,8 @@
           <a:p>
             <a:fld id="{78C97017-6FC3-485B-9764-EAC9E56C1D49}" type="datetimeFigureOut">
               <a:rPr lang="en-US" smtClean="0"/>
-              <a:t>12/15/2018</a:t>
+              <a:pPr/>
+              <a:t>3/31/2019</a:t>
             </a:fld>
             <a:endParaRPr lang="en-US"/>
           </a:p>
@@ -2730,6 +2752,7 @@
           <a:p>
             <a:fld id="{FB34683C-161B-4520-BF45-B179E228CF2A}" type="slidenum">
               <a:rPr lang="en-US" smtClean="0"/>
+              <a:pPr/>
               <a:t>‹#›</a:t>
             </a:fld>
             <a:endParaRPr lang="en-US"/>
@@ -2739,7 +2762,7 @@
     </p:spTree>
     <p:extLst>
       <p:ext uri="{BB962C8B-B14F-4D97-AF65-F5344CB8AC3E}">
-        <p14:creationId xmlns:p14="http://schemas.microsoft.com/office/powerpoint/2010/main" val="2076802089"/>
+        <p14:creationId xmlns:p14="http://schemas.microsoft.com/office/powerpoint/2010/main" xmlns="" val="2076802089"/>
       </p:ext>
     </p:extLst>
   </p:cSld>
@@ -2940,7 +2963,8 @@
           <a:p>
             <a:fld id="{78C97017-6FC3-485B-9764-EAC9E56C1D49}" type="datetimeFigureOut">
               <a:rPr lang="en-US" smtClean="0"/>
-              <a:t>12/15/2018</a:t>
+              <a:pPr/>
+              <a:t>3/31/2019</a:t>
             </a:fld>
             <a:endParaRPr lang="en-US"/>
           </a:p>
@@ -2982,6 +3006,7 @@
           <a:p>
             <a:fld id="{FB34683C-161B-4520-BF45-B179E228CF2A}" type="slidenum">
               <a:rPr lang="en-US" smtClean="0"/>
+              <a:pPr/>
               <a:t>‹#›</a:t>
             </a:fld>
             <a:endParaRPr lang="en-US"/>
@@ -2991,7 +3016,7 @@
     </p:spTree>
     <p:extLst>
       <p:ext uri="{BB962C8B-B14F-4D97-AF65-F5344CB8AC3E}">
-        <p14:creationId xmlns:p14="http://schemas.microsoft.com/office/powerpoint/2010/main" val="201835938"/>
+        <p14:creationId xmlns:p14="http://schemas.microsoft.com/office/powerpoint/2010/main" xmlns="" val="201835938"/>
       </p:ext>
     </p:extLst>
   </p:cSld>
@@ -3151,7 +3176,8 @@
           <a:p>
             <a:fld id="{78C97017-6FC3-485B-9764-EAC9E56C1D49}" type="datetimeFigureOut">
               <a:rPr lang="en-US" smtClean="0"/>
-              <a:t>12/15/2018</a:t>
+              <a:pPr/>
+              <a:t>3/31/2019</a:t>
             </a:fld>
             <a:endParaRPr lang="en-US"/>
           </a:p>
@@ -3229,6 +3255,7 @@
           <a:p>
             <a:fld id="{FB34683C-161B-4520-BF45-B179E228CF2A}" type="slidenum">
               <a:rPr lang="en-US" smtClean="0"/>
+              <a:pPr/>
               <a:t>‹#›</a:t>
             </a:fld>
             <a:endParaRPr lang="en-US"/>
@@ -3238,7 +3265,7 @@
     </p:spTree>
     <p:extLst>
       <p:ext uri="{BB962C8B-B14F-4D97-AF65-F5344CB8AC3E}">
-        <p14:creationId xmlns:p14="http://schemas.microsoft.com/office/powerpoint/2010/main" val="2341400630"/>
+        <p14:creationId xmlns:p14="http://schemas.microsoft.com/office/powerpoint/2010/main" xmlns="" val="2341400630"/>
       </p:ext>
     </p:extLst>
   </p:cSld>
@@ -4377,7 +4404,7 @@
         <p:spPr>
           <a:xfrm>
             <a:off x="4371378" y="3150453"/>
-            <a:ext cx="1228707" cy="215444"/>
+            <a:ext cx="1228707" cy="430887"/>
           </a:xfrm>
           <a:prstGeom prst="rect">
             <a:avLst/>
@@ -4392,21 +4419,26 @@
           <a:p>
             <a:pPr algn="ctr"/>
             <a:r>
-              <a:rPr lang="en-US" sz="1400" dirty="0" err="1">
+              <a:rPr lang="en-US" sz="1400" dirty="0" err="1" smtClean="0">
                 <a:solidFill>
                   <a:srgbClr val="7030A0"/>
                 </a:solidFill>
               </a:rPr>
-              <a:t>deletePerson</a:t>
-            </a:r>
-            <a:r>
-              <a:rPr lang="en-US" sz="1400" dirty="0">
+              <a:t>deleteModuleTaken</a:t>
+            </a:r>
+            <a:r>
+              <a:rPr lang="en-US" sz="1400" dirty="0" smtClean="0">
                 <a:solidFill>
                   <a:srgbClr val="7030A0"/>
                 </a:solidFill>
               </a:rPr>
-              <a:t>(p)</a:t>
-            </a:r>
+              <a:t>(m)</a:t>
+            </a:r>
+            <a:endParaRPr lang="en-US" sz="1400" dirty="0">
+              <a:solidFill>
+                <a:srgbClr val="7030A0"/>
+              </a:solidFill>
+            </a:endParaRPr>
           </a:p>
         </p:txBody>
       </p:sp>
@@ -4756,17 +4788,17 @@
           <a:p>
             <a:pPr algn="ctr"/>
             <a:r>
-              <a:rPr lang="en-US" sz="1400" dirty="0" err="1">
+              <a:rPr lang="en-US" sz="1400" dirty="0" err="1" smtClean="0">
                 <a:solidFill>
                   <a:schemeClr val="accent6">
                     <a:lumMod val="75000"/>
                   </a:schemeClr>
                 </a:solidFill>
               </a:rPr>
-              <a:t>saveAddressBook</a:t>
-            </a:r>
-            <a:r>
-              <a:rPr lang="en-US" sz="1400" dirty="0">
+              <a:t>saveGradTrak</a:t>
+            </a:r>
+            <a:r>
+              <a:rPr lang="en-US" sz="1400" dirty="0" smtClean="0">
                 <a:solidFill>
                   <a:schemeClr val="accent6">
                     <a:lumMod val="75000"/>
@@ -4776,17 +4808,17 @@
               <a:t>(</a:t>
             </a:r>
             <a:r>
-              <a:rPr lang="en-US" sz="1400" dirty="0" err="1">
+              <a:rPr lang="en-US" sz="1400" dirty="0" err="1" smtClean="0">
                 <a:solidFill>
                   <a:schemeClr val="accent6">
                     <a:lumMod val="75000"/>
                   </a:schemeClr>
                 </a:solidFill>
               </a:rPr>
-              <a:t>AddressBook</a:t>
-            </a:r>
-            <a:r>
-              <a:rPr lang="en-US" sz="1400" dirty="0">
+              <a:t>GradTrak</a:t>
+            </a:r>
+            <a:r>
+              <a:rPr lang="en-US" sz="1400" dirty="0" smtClean="0">
                 <a:solidFill>
                   <a:schemeClr val="accent6">
                     <a:lumMod val="75000"/>
@@ -4795,6 +4827,13 @@
               </a:rPr>
               <a:t>)</a:t>
             </a:r>
+            <a:endParaRPr lang="en-US" sz="1400" dirty="0">
+              <a:solidFill>
+                <a:schemeClr val="accent6">
+                  <a:lumMod val="75000"/>
+                </a:schemeClr>
+              </a:solidFill>
+            </a:endParaRPr>
           </a:p>
         </p:txBody>
       </p:sp>
@@ -5059,7 +5098,7 @@
           <p:cNvPr id="78" name="Straight Arrow Connector 77">
             <a:extLst>
               <a:ext uri="{FF2B5EF4-FFF2-40B4-BE49-F238E27FC236}">
-                <a16:creationId xmlns:a16="http://schemas.microsoft.com/office/drawing/2014/main" id="{4AB8DFA2-C3DE-4CDF-82C8-BDE3320A5C3E}"/>
+                <a16:creationId xmlns:a16="http://schemas.microsoft.com/office/drawing/2014/main" xmlns="" id="{4AB8DFA2-C3DE-4CDF-82C8-BDE3320A5C3E}"/>
               </a:ext>
             </a:extLst>
           </p:cNvPr>
@@ -5101,7 +5140,7 @@
     </p:spTree>
     <p:extLst>
       <p:ext uri="{BB962C8B-B14F-4D97-AF65-F5344CB8AC3E}">
-        <p14:creationId xmlns:p14="http://schemas.microsoft.com/office/powerpoint/2010/main" val="4023378879"/>
+        <p14:creationId xmlns:p14="http://schemas.microsoft.com/office/powerpoint/2010/main" xmlns="" val="4023378879"/>
       </p:ext>
     </p:extLst>
   </p:cSld>

--- a/docs/diagrams/LogicComponentSequenceDiagram.pptx
+++ b/docs/diagrams/LogicComponentSequenceDiagram.pptx
@@ -109,7 +109,7 @@
   </p:defaultTextStyle>
   <p:extLst>
     <p:ext uri="{EFAFB233-063F-42B5-8137-9DF3F51BA10A}">
-      <p15:sldGuideLst xmlns:p15="http://schemas.microsoft.com/office/powerpoint/2012/main">
+      <p15:sldGuideLst xmlns:p15="http://schemas.microsoft.com/office/powerpoint/2012/main" xmlns="">
         <p15:guide id="1" orient="horz" pos="1488">
           <p15:clr>
             <a:srgbClr val="A4A3A4"/>
@@ -208,7 +208,7 @@
           <a:p>
             <a:fld id="{F5CC4B3F-88C1-4FFA-B1B6-F41C21DC6924}" type="datetimeFigureOut">
               <a:rPr lang="en-US" smtClean="0"/>
-              <a:t>12/15/2018</a:t>
+              <a:t>3/31/2019</a:t>
             </a:fld>
             <a:endParaRPr lang="en-US"/>
           </a:p>
@@ -738,7 +738,7 @@
           <a:p>
             <a:fld id="{78C97017-6FC3-485B-9764-EAC9E56C1D49}" type="datetimeFigureOut">
               <a:rPr lang="en-US" smtClean="0"/>
-              <a:t>12/15/2018</a:t>
+              <a:t>3/31/2019</a:t>
             </a:fld>
             <a:endParaRPr lang="en-US"/>
           </a:p>
@@ -906,7 +906,7 @@
           <a:p>
             <a:fld id="{78C97017-6FC3-485B-9764-EAC9E56C1D49}" type="datetimeFigureOut">
               <a:rPr lang="en-US" smtClean="0"/>
-              <a:t>12/15/2018</a:t>
+              <a:t>3/31/2019</a:t>
             </a:fld>
             <a:endParaRPr lang="en-US"/>
           </a:p>
@@ -1084,7 +1084,7 @@
           <a:p>
             <a:fld id="{78C97017-6FC3-485B-9764-EAC9E56C1D49}" type="datetimeFigureOut">
               <a:rPr lang="en-US" smtClean="0"/>
-              <a:t>12/15/2018</a:t>
+              <a:t>3/31/2019</a:t>
             </a:fld>
             <a:endParaRPr lang="en-US"/>
           </a:p>
@@ -1252,7 +1252,7 @@
           <a:p>
             <a:fld id="{78C97017-6FC3-485B-9764-EAC9E56C1D49}" type="datetimeFigureOut">
               <a:rPr lang="en-US" smtClean="0"/>
-              <a:t>12/15/2018</a:t>
+              <a:t>3/31/2019</a:t>
             </a:fld>
             <a:endParaRPr lang="en-US"/>
           </a:p>
@@ -1497,7 +1497,7 @@
           <a:p>
             <a:fld id="{78C97017-6FC3-485B-9764-EAC9E56C1D49}" type="datetimeFigureOut">
               <a:rPr lang="en-US" smtClean="0"/>
-              <a:t>12/15/2018</a:t>
+              <a:t>3/31/2019</a:t>
             </a:fld>
             <a:endParaRPr lang="en-US"/>
           </a:p>
@@ -1782,7 +1782,7 @@
           <a:p>
             <a:fld id="{78C97017-6FC3-485B-9764-EAC9E56C1D49}" type="datetimeFigureOut">
               <a:rPr lang="en-US" smtClean="0"/>
-              <a:t>12/15/2018</a:t>
+              <a:t>3/31/2019</a:t>
             </a:fld>
             <a:endParaRPr lang="en-US"/>
           </a:p>
@@ -2201,7 +2201,7 @@
           <a:p>
             <a:fld id="{78C97017-6FC3-485B-9764-EAC9E56C1D49}" type="datetimeFigureOut">
               <a:rPr lang="en-US" smtClean="0"/>
-              <a:t>12/15/2018</a:t>
+              <a:t>3/31/2019</a:t>
             </a:fld>
             <a:endParaRPr lang="en-US"/>
           </a:p>
@@ -2318,7 +2318,7 @@
           <a:p>
             <a:fld id="{78C97017-6FC3-485B-9764-EAC9E56C1D49}" type="datetimeFigureOut">
               <a:rPr lang="en-US" smtClean="0"/>
-              <a:t>12/15/2018</a:t>
+              <a:t>3/31/2019</a:t>
             </a:fld>
             <a:endParaRPr lang="en-US"/>
           </a:p>
@@ -2413,7 +2413,7 @@
           <a:p>
             <a:fld id="{78C97017-6FC3-485B-9764-EAC9E56C1D49}" type="datetimeFigureOut">
               <a:rPr lang="en-US" smtClean="0"/>
-              <a:t>12/15/2018</a:t>
+              <a:t>3/31/2019</a:t>
             </a:fld>
             <a:endParaRPr lang="en-US"/>
           </a:p>
@@ -2688,7 +2688,7 @@
           <a:p>
             <a:fld id="{78C97017-6FC3-485B-9764-EAC9E56C1D49}" type="datetimeFigureOut">
               <a:rPr lang="en-US" smtClean="0"/>
-              <a:t>12/15/2018</a:t>
+              <a:t>3/31/2019</a:t>
             </a:fld>
             <a:endParaRPr lang="en-US"/>
           </a:p>
@@ -2940,7 +2940,7 @@
           <a:p>
             <a:fld id="{78C97017-6FC3-485B-9764-EAC9E56C1D49}" type="datetimeFigureOut">
               <a:rPr lang="en-US" smtClean="0"/>
-              <a:t>12/15/2018</a:t>
+              <a:t>3/31/2019</a:t>
             </a:fld>
             <a:endParaRPr lang="en-US"/>
           </a:p>
@@ -3151,7 +3151,7 @@
           <a:p>
             <a:fld id="{78C97017-6FC3-485B-9764-EAC9E56C1D49}" type="datetimeFigureOut">
               <a:rPr lang="en-US" smtClean="0"/>
-              <a:t>12/15/2018</a:t>
+              <a:t>3/31/2019</a:t>
             </a:fld>
             <a:endParaRPr lang="en-US"/>
           </a:p>
@@ -4392,21 +4392,26 @@
           <a:p>
             <a:pPr algn="ctr"/>
             <a:r>
-              <a:rPr lang="en-US" sz="1400" dirty="0" err="1">
+              <a:rPr lang="en-US" sz="1400" dirty="0" err="1" smtClean="0">
                 <a:solidFill>
                   <a:srgbClr val="7030A0"/>
                 </a:solidFill>
               </a:rPr>
-              <a:t>deletePerson</a:t>
-            </a:r>
-            <a:r>
-              <a:rPr lang="en-US" sz="1400" dirty="0">
+              <a:t>deleteDeck</a:t>
+            </a:r>
+            <a:r>
+              <a:rPr lang="en-US" sz="1400" dirty="0" smtClean="0">
                 <a:solidFill>
                   <a:srgbClr val="7030A0"/>
                 </a:solidFill>
               </a:rPr>
-              <a:t>(p)</a:t>
-            </a:r>
+              <a:t>(d)</a:t>
+            </a:r>
+            <a:endParaRPr lang="en-US" sz="1400" dirty="0">
+              <a:solidFill>
+                <a:srgbClr val="7030A0"/>
+              </a:solidFill>
+            </a:endParaRPr>
           </a:p>
         </p:txBody>
       </p:sp>
@@ -4756,17 +4761,17 @@
           <a:p>
             <a:pPr algn="ctr"/>
             <a:r>
-              <a:rPr lang="en-US" sz="1400" dirty="0" err="1">
+              <a:rPr lang="en-US" sz="1400" dirty="0" err="1" smtClean="0">
                 <a:solidFill>
                   <a:schemeClr val="accent6">
                     <a:lumMod val="75000"/>
                   </a:schemeClr>
                 </a:solidFill>
               </a:rPr>
-              <a:t>saveAddressBook</a:t>
-            </a:r>
-            <a:r>
-              <a:rPr lang="en-US" sz="1400" dirty="0">
+              <a:t>saveTopDeck</a:t>
+            </a:r>
+            <a:r>
+              <a:rPr lang="en-US" sz="1400" dirty="0" smtClean="0">
                 <a:solidFill>
                   <a:schemeClr val="accent6">
                     <a:lumMod val="75000"/>
@@ -4776,25 +4781,22 @@
               <a:t>(</a:t>
             </a:r>
             <a:r>
-              <a:rPr lang="en-US" sz="1400" dirty="0" err="1">
+              <a:rPr lang="en-US" sz="1400" smtClean="0">
                 <a:solidFill>
                   <a:schemeClr val="accent6">
                     <a:lumMod val="75000"/>
                   </a:schemeClr>
                 </a:solidFill>
               </a:rPr>
-              <a:t>AddressBook</a:t>
-            </a:r>
-            <a:r>
-              <a:rPr lang="en-US" sz="1400" dirty="0">
-                <a:solidFill>
-                  <a:schemeClr val="accent6">
-                    <a:lumMod val="75000"/>
-                  </a:schemeClr>
-                </a:solidFill>
-              </a:rPr>
-              <a:t>)</a:t>
-            </a:r>
+              <a:t>TopDeck)</a:t>
+            </a:r>
+            <a:endParaRPr lang="en-US" sz="1400" dirty="0">
+              <a:solidFill>
+                <a:schemeClr val="accent6">
+                  <a:lumMod val="75000"/>
+                </a:schemeClr>
+              </a:solidFill>
+            </a:endParaRPr>
           </a:p>
         </p:txBody>
       </p:sp>
@@ -5059,7 +5061,7 @@
           <p:cNvPr id="78" name="Straight Arrow Connector 77">
             <a:extLst>
               <a:ext uri="{FF2B5EF4-FFF2-40B4-BE49-F238E27FC236}">
-                <a16:creationId xmlns:a16="http://schemas.microsoft.com/office/drawing/2014/main" id="{4AB8DFA2-C3DE-4CDF-82C8-BDE3320A5C3E}"/>
+                <a16:creationId xmlns:a16="http://schemas.microsoft.com/office/drawing/2014/main" xmlns="" id="{4AB8DFA2-C3DE-4CDF-82C8-BDE3320A5C3E}"/>
               </a:ext>
             </a:extLst>
           </p:cNvPr>

--- a/docs/diagrams/LogicComponentSequenceDiagram.pptx
+++ b/docs/diagrams/LogicComponentSequenceDiagram.pptx
@@ -208,7 +208,7 @@
           <a:p>
             <a:fld id="{F5CC4B3F-88C1-4FFA-B1B6-F41C21DC6924}" type="datetimeFigureOut">
               <a:rPr lang="en-US" smtClean="0"/>
-              <a:t>2/25/2019</a:t>
+              <a:t>4/1/2019</a:t>
             </a:fld>
             <a:endParaRPr lang="en-US"/>
           </a:p>
@@ -738,7 +738,7 @@
           <a:p>
             <a:fld id="{78C97017-6FC3-485B-9764-EAC9E56C1D49}" type="datetimeFigureOut">
               <a:rPr lang="en-US" smtClean="0"/>
-              <a:t>2/25/2019</a:t>
+              <a:t>4/1/2019</a:t>
             </a:fld>
             <a:endParaRPr lang="en-US"/>
           </a:p>
@@ -906,7 +906,7 @@
           <a:p>
             <a:fld id="{78C97017-6FC3-485B-9764-EAC9E56C1D49}" type="datetimeFigureOut">
               <a:rPr lang="en-US" smtClean="0"/>
-              <a:t>2/25/2019</a:t>
+              <a:t>4/1/2019</a:t>
             </a:fld>
             <a:endParaRPr lang="en-US"/>
           </a:p>
@@ -1084,7 +1084,7 @@
           <a:p>
             <a:fld id="{78C97017-6FC3-485B-9764-EAC9E56C1D49}" type="datetimeFigureOut">
               <a:rPr lang="en-US" smtClean="0"/>
-              <a:t>2/25/2019</a:t>
+              <a:t>4/1/2019</a:t>
             </a:fld>
             <a:endParaRPr lang="en-US"/>
           </a:p>
@@ -1252,7 +1252,7 @@
           <a:p>
             <a:fld id="{78C97017-6FC3-485B-9764-EAC9E56C1D49}" type="datetimeFigureOut">
               <a:rPr lang="en-US" smtClean="0"/>
-              <a:t>2/25/2019</a:t>
+              <a:t>4/1/2019</a:t>
             </a:fld>
             <a:endParaRPr lang="en-US"/>
           </a:p>
@@ -1497,7 +1497,7 @@
           <a:p>
             <a:fld id="{78C97017-6FC3-485B-9764-EAC9E56C1D49}" type="datetimeFigureOut">
               <a:rPr lang="en-US" smtClean="0"/>
-              <a:t>2/25/2019</a:t>
+              <a:t>4/1/2019</a:t>
             </a:fld>
             <a:endParaRPr lang="en-US"/>
           </a:p>
@@ -1782,7 +1782,7 @@
           <a:p>
             <a:fld id="{78C97017-6FC3-485B-9764-EAC9E56C1D49}" type="datetimeFigureOut">
               <a:rPr lang="en-US" smtClean="0"/>
-              <a:t>2/25/2019</a:t>
+              <a:t>4/1/2019</a:t>
             </a:fld>
             <a:endParaRPr lang="en-US"/>
           </a:p>
@@ -2201,7 +2201,7 @@
           <a:p>
             <a:fld id="{78C97017-6FC3-485B-9764-EAC9E56C1D49}" type="datetimeFigureOut">
               <a:rPr lang="en-US" smtClean="0"/>
-              <a:t>2/25/2019</a:t>
+              <a:t>4/1/2019</a:t>
             </a:fld>
             <a:endParaRPr lang="en-US"/>
           </a:p>
@@ -2318,7 +2318,7 @@
           <a:p>
             <a:fld id="{78C97017-6FC3-485B-9764-EAC9E56C1D49}" type="datetimeFigureOut">
               <a:rPr lang="en-US" smtClean="0"/>
-              <a:t>2/25/2019</a:t>
+              <a:t>4/1/2019</a:t>
             </a:fld>
             <a:endParaRPr lang="en-US"/>
           </a:p>
@@ -2413,7 +2413,7 @@
           <a:p>
             <a:fld id="{78C97017-6FC3-485B-9764-EAC9E56C1D49}" type="datetimeFigureOut">
               <a:rPr lang="en-US" smtClean="0"/>
-              <a:t>2/25/2019</a:t>
+              <a:t>4/1/2019</a:t>
             </a:fld>
             <a:endParaRPr lang="en-US"/>
           </a:p>
@@ -2688,7 +2688,7 @@
           <a:p>
             <a:fld id="{78C97017-6FC3-485B-9764-EAC9E56C1D49}" type="datetimeFigureOut">
               <a:rPr lang="en-US" smtClean="0"/>
-              <a:t>2/25/2019</a:t>
+              <a:t>4/1/2019</a:t>
             </a:fld>
             <a:endParaRPr lang="en-US"/>
           </a:p>
@@ -2940,7 +2940,7 @@
           <a:p>
             <a:fld id="{78C97017-6FC3-485B-9764-EAC9E56C1D49}" type="datetimeFigureOut">
               <a:rPr lang="en-US" smtClean="0"/>
-              <a:t>2/25/2019</a:t>
+              <a:t>4/1/2019</a:t>
             </a:fld>
             <a:endParaRPr lang="en-US"/>
           </a:p>
@@ -3151,7 +3151,7 @@
           <a:p>
             <a:fld id="{78C97017-6FC3-485B-9764-EAC9E56C1D49}" type="datetimeFigureOut">
               <a:rPr lang="en-US" smtClean="0"/>
-              <a:t>2/25/2019</a:t>
+              <a:t>4/1/2019</a:t>
             </a:fld>
             <a:endParaRPr lang="en-US"/>
           </a:p>
@@ -4740,8 +4740,8 @@
         </p:nvSpPr>
         <p:spPr>
           <a:xfrm>
-            <a:off x="4484157" y="3921005"/>
-            <a:ext cx="2466828" cy="215444"/>
+            <a:off x="4309906" y="3941182"/>
+            <a:ext cx="2641079" cy="215444"/>
           </a:xfrm>
           <a:prstGeom prst="rect">
             <a:avLst/>
@@ -4763,7 +4763,7 @@
                   </a:schemeClr>
                 </a:solidFill>
               </a:rPr>
-              <a:t>saveFinanceLog</a:t>
+              <a:t>saveFinanceTracker</a:t>
             </a:r>
             <a:r>
               <a:rPr lang="en-US" sz="1400" dirty="0">
@@ -4783,7 +4783,7 @@
                   </a:schemeClr>
                 </a:solidFill>
               </a:rPr>
-              <a:t>FinanceLog</a:t>
+              <a:t>FinanceTracker</a:t>
             </a:r>
             <a:r>
               <a:rPr lang="en-US" sz="1400" dirty="0">

--- a/docs/diagrams/LogicComponentSequenceDiagram.pptx
+++ b/docs/diagrams/LogicComponentSequenceDiagram.pptx
@@ -208,7 +208,7 @@
           <a:p>
             <a:fld id="{F5CC4B3F-88C1-4FFA-B1B6-F41C21DC6924}" type="datetimeFigureOut">
               <a:rPr lang="en-US" smtClean="0"/>
-              <a:t>3/22/19</a:t>
+              <a:t>4/2/19</a:t>
             </a:fld>
             <a:endParaRPr lang="en-US"/>
           </a:p>
@@ -738,7 +738,7 @@
           <a:p>
             <a:fld id="{78C97017-6FC3-485B-9764-EAC9E56C1D49}" type="datetimeFigureOut">
               <a:rPr lang="en-US" smtClean="0"/>
-              <a:t>3/22/19</a:t>
+              <a:t>4/2/19</a:t>
             </a:fld>
             <a:endParaRPr lang="en-US"/>
           </a:p>
@@ -906,7 +906,7 @@
           <a:p>
             <a:fld id="{78C97017-6FC3-485B-9764-EAC9E56C1D49}" type="datetimeFigureOut">
               <a:rPr lang="en-US" smtClean="0"/>
-              <a:t>3/22/19</a:t>
+              <a:t>4/2/19</a:t>
             </a:fld>
             <a:endParaRPr lang="en-US"/>
           </a:p>
@@ -1084,7 +1084,7 @@
           <a:p>
             <a:fld id="{78C97017-6FC3-485B-9764-EAC9E56C1D49}" type="datetimeFigureOut">
               <a:rPr lang="en-US" smtClean="0"/>
-              <a:t>3/22/19</a:t>
+              <a:t>4/2/19</a:t>
             </a:fld>
             <a:endParaRPr lang="en-US"/>
           </a:p>
@@ -1252,7 +1252,7 @@
           <a:p>
             <a:fld id="{78C97017-6FC3-485B-9764-EAC9E56C1D49}" type="datetimeFigureOut">
               <a:rPr lang="en-US" smtClean="0"/>
-              <a:t>3/22/19</a:t>
+              <a:t>4/2/19</a:t>
             </a:fld>
             <a:endParaRPr lang="en-US"/>
           </a:p>
@@ -1497,7 +1497,7 @@
           <a:p>
             <a:fld id="{78C97017-6FC3-485B-9764-EAC9E56C1D49}" type="datetimeFigureOut">
               <a:rPr lang="en-US" smtClean="0"/>
-              <a:t>3/22/19</a:t>
+              <a:t>4/2/19</a:t>
             </a:fld>
             <a:endParaRPr lang="en-US"/>
           </a:p>
@@ -1782,7 +1782,7 @@
           <a:p>
             <a:fld id="{78C97017-6FC3-485B-9764-EAC9E56C1D49}" type="datetimeFigureOut">
               <a:rPr lang="en-US" smtClean="0"/>
-              <a:t>3/22/19</a:t>
+              <a:t>4/2/19</a:t>
             </a:fld>
             <a:endParaRPr lang="en-US"/>
           </a:p>
@@ -2201,7 +2201,7 @@
           <a:p>
             <a:fld id="{78C97017-6FC3-485B-9764-EAC9E56C1D49}" type="datetimeFigureOut">
               <a:rPr lang="en-US" smtClean="0"/>
-              <a:t>3/22/19</a:t>
+              <a:t>4/2/19</a:t>
             </a:fld>
             <a:endParaRPr lang="en-US"/>
           </a:p>
@@ -2318,7 +2318,7 @@
           <a:p>
             <a:fld id="{78C97017-6FC3-485B-9764-EAC9E56C1D49}" type="datetimeFigureOut">
               <a:rPr lang="en-US" smtClean="0"/>
-              <a:t>3/22/19</a:t>
+              <a:t>4/2/19</a:t>
             </a:fld>
             <a:endParaRPr lang="en-US"/>
           </a:p>
@@ -2413,7 +2413,7 @@
           <a:p>
             <a:fld id="{78C97017-6FC3-485B-9764-EAC9E56C1D49}" type="datetimeFigureOut">
               <a:rPr lang="en-US" smtClean="0"/>
-              <a:t>3/22/19</a:t>
+              <a:t>4/2/19</a:t>
             </a:fld>
             <a:endParaRPr lang="en-US"/>
           </a:p>
@@ -2688,7 +2688,7 @@
           <a:p>
             <a:fld id="{78C97017-6FC3-485B-9764-EAC9E56C1D49}" type="datetimeFigureOut">
               <a:rPr lang="en-US" smtClean="0"/>
-              <a:t>3/22/19</a:t>
+              <a:t>4/2/19</a:t>
             </a:fld>
             <a:endParaRPr lang="en-US"/>
           </a:p>
@@ -2940,7 +2940,7 @@
           <a:p>
             <a:fld id="{78C97017-6FC3-485B-9764-EAC9E56C1D49}" type="datetimeFigureOut">
               <a:rPr lang="en-US" smtClean="0"/>
-              <a:t>3/22/19</a:t>
+              <a:t>4/2/19</a:t>
             </a:fld>
             <a:endParaRPr lang="en-US"/>
           </a:p>
@@ -3151,7 +3151,7 @@
           <a:p>
             <a:fld id="{78C97017-6FC3-485B-9764-EAC9E56C1D49}" type="datetimeFigureOut">
               <a:rPr lang="en-US" smtClean="0"/>
-              <a:t>3/22/19</a:t>
+              <a:t>4/2/19</a:t>
             </a:fld>
             <a:endParaRPr lang="en-US"/>
           </a:p>
@@ -4237,7 +4237,7 @@
         <p:spPr>
           <a:xfrm>
             <a:off x="1073520" y="3013971"/>
-            <a:ext cx="1312737" cy="430887"/>
+            <a:ext cx="1312737" cy="215444"/>
           </a:xfrm>
           <a:prstGeom prst="rect">
             <a:avLst/>
@@ -4257,7 +4257,7 @@
             </a:r>
             <a:r>
               <a:rPr lang="en-US" sz="1400" dirty="0"/>
-              <a:t> n/Alice</a:t>
+              <a:t> 1</a:t>
             </a:r>
           </a:p>
         </p:txBody>
@@ -4308,8 +4308,8 @@
         </p:nvSpPr>
         <p:spPr>
           <a:xfrm>
-            <a:off x="2485908" y="3082866"/>
-            <a:ext cx="1562949" cy="430887"/>
+            <a:off x="2386257" y="3089678"/>
+            <a:ext cx="1801134" cy="430887"/>
           </a:xfrm>
           <a:prstGeom prst="rect">
             <a:avLst/>
@@ -4329,7 +4329,18 @@
                   <a:srgbClr val="0070C0"/>
                 </a:solidFill>
               </a:rPr>
-              <a:t>execute(“</a:t>
+              <a:t>Execute</a:t>
+            </a:r>
+          </a:p>
+          <a:p>
+            <a:pPr algn="ctr"/>
+            <a:r>
+              <a:rPr lang="en-US" sz="1400" dirty="0">
+                <a:solidFill>
+                  <a:srgbClr val="0070C0"/>
+                </a:solidFill>
+              </a:rPr>
+              <a:t>(“</a:t>
             </a:r>
             <a:r>
               <a:rPr lang="en-US" sz="1400" dirty="0" err="1">
@@ -4345,7 +4356,7 @@
                   <a:srgbClr val="0070C0"/>
                 </a:solidFill>
               </a:rPr>
-              <a:t> n/Alice”)</a:t>
+              <a:t> 1”)</a:t>
             </a:r>
           </a:p>
         </p:txBody>
@@ -4396,8 +4407,8 @@
         </p:nvSpPr>
         <p:spPr>
           <a:xfrm>
-            <a:off x="4371378" y="3150453"/>
-            <a:ext cx="1228707" cy="430887"/>
+            <a:off x="4215722" y="3165213"/>
+            <a:ext cx="1442248" cy="215444"/>
           </a:xfrm>
           <a:prstGeom prst="rect">
             <a:avLst/>
@@ -4425,18 +4436,7 @@
                   <a:srgbClr val="7030A0"/>
                 </a:solidFill>
               </a:rPr>
-              <a:t>(</a:t>
-            </a:r>
-          </a:p>
-          <a:p>
-            <a:pPr algn="ctr"/>
-            <a:r>
-              <a:rPr lang="en-US" sz="1400" dirty="0">
-                <a:solidFill>
-                  <a:srgbClr val="7030A0"/>
-                </a:solidFill>
-              </a:rPr>
-              <a:t>“Alice”)</a:t>
+              <a:t>(“Alice”)</a:t>
             </a:r>
           </a:p>
         </p:txBody>

--- a/docs/diagrams/LogicComponentSequenceDiagram.pptx
+++ b/docs/diagrams/LogicComponentSequenceDiagram.pptx
@@ -4436,7 +4436,7 @@
                   <a:srgbClr val="7030A0"/>
                 </a:solidFill>
               </a:rPr>
-              <a:t>(“Alice”)</a:t>
+              <a:t>(a)</a:t>
             </a:r>
           </a:p>
         </p:txBody>

--- a/docs/diagrams/LogicComponentSequenceDiagram.pptx
+++ b/docs/diagrams/LogicComponentSequenceDiagram.pptx
@@ -208,7 +208,7 @@
           <a:p>
             <a:fld id="{F5CC4B3F-88C1-4FFA-B1B6-F41C21DC6924}" type="datetimeFigureOut">
               <a:rPr lang="en-US" smtClean="0"/>
-              <a:t>3/6/2019</a:t>
+              <a:t>4/3/19</a:t>
             </a:fld>
             <a:endParaRPr lang="en-US"/>
           </a:p>
@@ -738,7 +738,7 @@
           <a:p>
             <a:fld id="{78C97017-6FC3-485B-9764-EAC9E56C1D49}" type="datetimeFigureOut">
               <a:rPr lang="en-US" smtClean="0"/>
-              <a:t>3/6/2019</a:t>
+              <a:t>4/3/19</a:t>
             </a:fld>
             <a:endParaRPr lang="en-US"/>
           </a:p>
@@ -906,7 +906,7 @@
           <a:p>
             <a:fld id="{78C97017-6FC3-485B-9764-EAC9E56C1D49}" type="datetimeFigureOut">
               <a:rPr lang="en-US" smtClean="0"/>
-              <a:t>3/6/2019</a:t>
+              <a:t>4/3/19</a:t>
             </a:fld>
             <a:endParaRPr lang="en-US"/>
           </a:p>
@@ -1084,7 +1084,7 @@
           <a:p>
             <a:fld id="{78C97017-6FC3-485B-9764-EAC9E56C1D49}" type="datetimeFigureOut">
               <a:rPr lang="en-US" smtClean="0"/>
-              <a:t>3/6/2019</a:t>
+              <a:t>4/3/19</a:t>
             </a:fld>
             <a:endParaRPr lang="en-US"/>
           </a:p>
@@ -1252,7 +1252,7 @@
           <a:p>
             <a:fld id="{78C97017-6FC3-485B-9764-EAC9E56C1D49}" type="datetimeFigureOut">
               <a:rPr lang="en-US" smtClean="0"/>
-              <a:t>3/6/2019</a:t>
+              <a:t>4/3/19</a:t>
             </a:fld>
             <a:endParaRPr lang="en-US"/>
           </a:p>
@@ -1497,7 +1497,7 @@
           <a:p>
             <a:fld id="{78C97017-6FC3-485B-9764-EAC9E56C1D49}" type="datetimeFigureOut">
               <a:rPr lang="en-US" smtClean="0"/>
-              <a:t>3/6/2019</a:t>
+              <a:t>4/3/19</a:t>
             </a:fld>
             <a:endParaRPr lang="en-US"/>
           </a:p>
@@ -1782,7 +1782,7 @@
           <a:p>
             <a:fld id="{78C97017-6FC3-485B-9764-EAC9E56C1D49}" type="datetimeFigureOut">
               <a:rPr lang="en-US" smtClean="0"/>
-              <a:t>3/6/2019</a:t>
+              <a:t>4/3/19</a:t>
             </a:fld>
             <a:endParaRPr lang="en-US"/>
           </a:p>
@@ -2201,7 +2201,7 @@
           <a:p>
             <a:fld id="{78C97017-6FC3-485B-9764-EAC9E56C1D49}" type="datetimeFigureOut">
               <a:rPr lang="en-US" smtClean="0"/>
-              <a:t>3/6/2019</a:t>
+              <a:t>4/3/19</a:t>
             </a:fld>
             <a:endParaRPr lang="en-US"/>
           </a:p>
@@ -2318,7 +2318,7 @@
           <a:p>
             <a:fld id="{78C97017-6FC3-485B-9764-EAC9E56C1D49}" type="datetimeFigureOut">
               <a:rPr lang="en-US" smtClean="0"/>
-              <a:t>3/6/2019</a:t>
+              <a:t>4/3/19</a:t>
             </a:fld>
             <a:endParaRPr lang="en-US"/>
           </a:p>
@@ -2413,7 +2413,7 @@
           <a:p>
             <a:fld id="{78C97017-6FC3-485B-9764-EAC9E56C1D49}" type="datetimeFigureOut">
               <a:rPr lang="en-US" smtClean="0"/>
-              <a:t>3/6/2019</a:t>
+              <a:t>4/3/19</a:t>
             </a:fld>
             <a:endParaRPr lang="en-US"/>
           </a:p>
@@ -2688,7 +2688,7 @@
           <a:p>
             <a:fld id="{78C97017-6FC3-485B-9764-EAC9E56C1D49}" type="datetimeFigureOut">
               <a:rPr lang="en-US" smtClean="0"/>
-              <a:t>3/6/2019</a:t>
+              <a:t>4/3/19</a:t>
             </a:fld>
             <a:endParaRPr lang="en-US"/>
           </a:p>
@@ -2940,7 +2940,7 @@
           <a:p>
             <a:fld id="{78C97017-6FC3-485B-9764-EAC9E56C1D49}" type="datetimeFigureOut">
               <a:rPr lang="en-US" smtClean="0"/>
-              <a:t>3/6/2019</a:t>
+              <a:t>4/3/19</a:t>
             </a:fld>
             <a:endParaRPr lang="en-US"/>
           </a:p>
@@ -3151,7 +3151,7 @@
           <a:p>
             <a:fld id="{78C97017-6FC3-485B-9764-EAC9E56C1D49}" type="datetimeFigureOut">
               <a:rPr lang="en-US" smtClean="0"/>
-              <a:t>3/6/2019</a:t>
+              <a:t>4/3/19</a:t>
             </a:fld>
             <a:endParaRPr lang="en-US"/>
           </a:p>
@@ -4049,8 +4049,8 @@
         </p:nvSpPr>
         <p:spPr>
           <a:xfrm>
-            <a:off x="5215412" y="2213466"/>
-            <a:ext cx="1093635" cy="346760"/>
+            <a:off x="5215412" y="1834265"/>
+            <a:ext cx="1093635" cy="725961"/>
           </a:xfrm>
           <a:prstGeom prst="rect">
             <a:avLst/>
@@ -4091,6 +4091,28 @@
                 </a:solidFill>
               </a:rPr>
               <a:t>:Model</a:t>
+            </a:r>
+          </a:p>
+          <a:p>
+            <a:pPr algn="ctr"/>
+            <a:r>
+              <a:rPr lang="en-US" sz="1600" dirty="0">
+                <a:solidFill>
+                  <a:schemeClr val="bg1"/>
+                </a:solidFill>
+              </a:rPr>
+              <a:t>(Customer</a:t>
+            </a:r>
+          </a:p>
+          <a:p>
+            <a:pPr algn="ctr"/>
+            <a:r>
+              <a:rPr lang="en-US" sz="1600" dirty="0">
+                <a:solidFill>
+                  <a:schemeClr val="bg1"/>
+                </a:solidFill>
+              </a:rPr>
+              <a:t>Model)</a:t>
             </a:r>
             <a:endParaRPr lang="en-SG" sz="1600" dirty="0">
               <a:solidFill>
@@ -4408,7 +4430,7 @@
         <p:spPr>
           <a:xfrm>
             <a:off x="4203434" y="3150453"/>
-            <a:ext cx="1486782" cy="215444"/>
+            <a:ext cx="1486782" cy="430887"/>
           </a:xfrm>
           <a:prstGeom prst="rect">
             <a:avLst/>
@@ -4430,13 +4452,37 @@
               </a:rPr>
               <a:t>deleteCustomer</a:t>
             </a:r>
+            <a:endParaRPr lang="en-US" sz="1400" dirty="0">
+              <a:solidFill>
+                <a:srgbClr val="7030A0"/>
+              </a:solidFill>
+            </a:endParaRPr>
+          </a:p>
+          <a:p>
+            <a:pPr algn="ctr"/>
             <a:r>
               <a:rPr lang="en-US" sz="1400" dirty="0">
                 <a:solidFill>
                   <a:srgbClr val="7030A0"/>
                 </a:solidFill>
               </a:rPr>
-              <a:t>(p)</a:t>
+              <a:t>(</a:t>
+            </a:r>
+            <a:r>
+              <a:rPr lang="en-US" sz="1400" dirty="0" err="1">
+                <a:solidFill>
+                  <a:srgbClr val="7030A0"/>
+                </a:solidFill>
+              </a:rPr>
+              <a:t>customerToDelete</a:t>
+            </a:r>
+            <a:r>
+              <a:rPr lang="en-US" sz="1400" dirty="0">
+                <a:solidFill>
+                  <a:srgbClr val="7030A0"/>
+                </a:solidFill>
+              </a:rPr>
+              <a:t>)</a:t>
             </a:r>
           </a:p>
         </p:txBody>
@@ -4772,7 +4818,7 @@
         <p:spPr>
           <a:xfrm>
             <a:off x="4484157" y="3921005"/>
-            <a:ext cx="2466828" cy="215444"/>
+            <a:ext cx="2466828" cy="430887"/>
           </a:xfrm>
           <a:prstGeom prst="rect">
             <a:avLst/>
@@ -4794,8 +4840,18 @@
                   </a:schemeClr>
                 </a:solidFill>
               </a:rPr>
-              <a:t>saveAddressBook</a:t>
-            </a:r>
+              <a:t>saveHotelManagementSystem</a:t>
+            </a:r>
+            <a:endParaRPr lang="en-US" sz="1400" dirty="0">
+              <a:solidFill>
+                <a:schemeClr val="accent6">
+                  <a:lumMod val="75000"/>
+                </a:schemeClr>
+              </a:solidFill>
+            </a:endParaRPr>
+          </a:p>
+          <a:p>
+            <a:pPr algn="ctr"/>
             <a:r>
               <a:rPr lang="en-US" sz="1400" dirty="0">
                 <a:solidFill>
@@ -4814,7 +4870,7 @@
                   </a:schemeClr>
                 </a:solidFill>
               </a:rPr>
-              <a:t>AddressBook</a:t>
+              <a:t>HotelManagementSystem</a:t>
             </a:r>
             <a:r>
               <a:rPr lang="en-US" sz="1400" dirty="0">

--- a/docs/diagrams/LogicComponentSequenceDiagram.pptx
+++ b/docs/diagrams/LogicComponentSequenceDiagram.pptx
@@ -208,7 +208,7 @@
           <a:p>
             <a:fld id="{F5CC4B3F-88C1-4FFA-B1B6-F41C21DC6924}" type="datetimeFigureOut">
               <a:rPr lang="en-US" smtClean="0"/>
-              <a:t>12/15/2018</a:t>
+              <a:t>4/5/19</a:t>
             </a:fld>
             <a:endParaRPr lang="en-US"/>
           </a:p>
@@ -738,7 +738,7 @@
           <a:p>
             <a:fld id="{78C97017-6FC3-485B-9764-EAC9E56C1D49}" type="datetimeFigureOut">
               <a:rPr lang="en-US" smtClean="0"/>
-              <a:t>12/15/2018</a:t>
+              <a:t>4/5/19</a:t>
             </a:fld>
             <a:endParaRPr lang="en-US"/>
           </a:p>
@@ -906,7 +906,7 @@
           <a:p>
             <a:fld id="{78C97017-6FC3-485B-9764-EAC9E56C1D49}" type="datetimeFigureOut">
               <a:rPr lang="en-US" smtClean="0"/>
-              <a:t>12/15/2018</a:t>
+              <a:t>4/5/19</a:t>
             </a:fld>
             <a:endParaRPr lang="en-US"/>
           </a:p>
@@ -1084,7 +1084,7 @@
           <a:p>
             <a:fld id="{78C97017-6FC3-485B-9764-EAC9E56C1D49}" type="datetimeFigureOut">
               <a:rPr lang="en-US" smtClean="0"/>
-              <a:t>12/15/2018</a:t>
+              <a:t>4/5/19</a:t>
             </a:fld>
             <a:endParaRPr lang="en-US"/>
           </a:p>
@@ -1252,7 +1252,7 @@
           <a:p>
             <a:fld id="{78C97017-6FC3-485B-9764-EAC9E56C1D49}" type="datetimeFigureOut">
               <a:rPr lang="en-US" smtClean="0"/>
-              <a:t>12/15/2018</a:t>
+              <a:t>4/5/19</a:t>
             </a:fld>
             <a:endParaRPr lang="en-US"/>
           </a:p>
@@ -1497,7 +1497,7 @@
           <a:p>
             <a:fld id="{78C97017-6FC3-485B-9764-EAC9E56C1D49}" type="datetimeFigureOut">
               <a:rPr lang="en-US" smtClean="0"/>
-              <a:t>12/15/2018</a:t>
+              <a:t>4/5/19</a:t>
             </a:fld>
             <a:endParaRPr lang="en-US"/>
           </a:p>
@@ -1782,7 +1782,7 @@
           <a:p>
             <a:fld id="{78C97017-6FC3-485B-9764-EAC9E56C1D49}" type="datetimeFigureOut">
               <a:rPr lang="en-US" smtClean="0"/>
-              <a:t>12/15/2018</a:t>
+              <a:t>4/5/19</a:t>
             </a:fld>
             <a:endParaRPr lang="en-US"/>
           </a:p>
@@ -2201,7 +2201,7 @@
           <a:p>
             <a:fld id="{78C97017-6FC3-485B-9764-EAC9E56C1D49}" type="datetimeFigureOut">
               <a:rPr lang="en-US" smtClean="0"/>
-              <a:t>12/15/2018</a:t>
+              <a:t>4/5/19</a:t>
             </a:fld>
             <a:endParaRPr lang="en-US"/>
           </a:p>
@@ -2318,7 +2318,7 @@
           <a:p>
             <a:fld id="{78C97017-6FC3-485B-9764-EAC9E56C1D49}" type="datetimeFigureOut">
               <a:rPr lang="en-US" smtClean="0"/>
-              <a:t>12/15/2018</a:t>
+              <a:t>4/5/19</a:t>
             </a:fld>
             <a:endParaRPr lang="en-US"/>
           </a:p>
@@ -2413,7 +2413,7 @@
           <a:p>
             <a:fld id="{78C97017-6FC3-485B-9764-EAC9E56C1D49}" type="datetimeFigureOut">
               <a:rPr lang="en-US" smtClean="0"/>
-              <a:t>12/15/2018</a:t>
+              <a:t>4/5/19</a:t>
             </a:fld>
             <a:endParaRPr lang="en-US"/>
           </a:p>
@@ -2688,7 +2688,7 @@
           <a:p>
             <a:fld id="{78C97017-6FC3-485B-9764-EAC9E56C1D49}" type="datetimeFigureOut">
               <a:rPr lang="en-US" smtClean="0"/>
-              <a:t>12/15/2018</a:t>
+              <a:t>4/5/19</a:t>
             </a:fld>
             <a:endParaRPr lang="en-US"/>
           </a:p>
@@ -2940,7 +2940,7 @@
           <a:p>
             <a:fld id="{78C97017-6FC3-485B-9764-EAC9E56C1D49}" type="datetimeFigureOut">
               <a:rPr lang="en-US" smtClean="0"/>
-              <a:t>12/15/2018</a:t>
+              <a:t>4/5/19</a:t>
             </a:fld>
             <a:endParaRPr lang="en-US"/>
           </a:p>
@@ -3151,7 +3151,7 @@
           <a:p>
             <a:fld id="{78C97017-6FC3-485B-9764-EAC9E56C1D49}" type="datetimeFigureOut">
               <a:rPr lang="en-US" smtClean="0"/>
-              <a:t>12/15/2018</a:t>
+              <a:t>4/5/19</a:t>
             </a:fld>
             <a:endParaRPr lang="en-US"/>
           </a:p>
@@ -4376,8 +4376,8 @@
         </p:nvSpPr>
         <p:spPr>
           <a:xfrm>
-            <a:off x="4371378" y="3150453"/>
-            <a:ext cx="1228707" cy="215444"/>
+            <a:off x="4191000" y="3150453"/>
+            <a:ext cx="1532383" cy="215444"/>
           </a:xfrm>
           <a:prstGeom prst="rect">
             <a:avLst/>
@@ -4397,7 +4397,7 @@
                   <a:srgbClr val="7030A0"/>
                 </a:solidFill>
               </a:rPr>
-              <a:t>deletePerson</a:t>
+              <a:t>deleteRestaurant</a:t>
             </a:r>
             <a:r>
               <a:rPr lang="en-US" sz="1400" dirty="0">
@@ -4405,7 +4405,7 @@
                   <a:srgbClr val="7030A0"/>
                 </a:solidFill>
               </a:rPr>
-              <a:t>(p)</a:t>
+              <a:t>(r)</a:t>
             </a:r>
           </a:p>
         </p:txBody>
@@ -4763,7 +4763,7 @@
                   </a:schemeClr>
                 </a:solidFill>
               </a:rPr>
-              <a:t>saveAddressBook</a:t>
+              <a:t>saveFoodDiary</a:t>
             </a:r>
             <a:r>
               <a:rPr lang="en-US" sz="1400" dirty="0">
@@ -4783,7 +4783,7 @@
                   </a:schemeClr>
                 </a:solidFill>
               </a:rPr>
-              <a:t>AddressBook</a:t>
+              <a:t>FoodDiary</a:t>
             </a:r>
             <a:r>
               <a:rPr lang="en-US" sz="1400" dirty="0">

--- a/docs/diagrams/LogicComponentSequenceDiagram.pptx
+++ b/docs/diagrams/LogicComponentSequenceDiagram.pptx
@@ -208,7 +208,7 @@
           <a:p>
             <a:fld id="{F5CC4B3F-88C1-4FFA-B1B6-F41C21DC6924}" type="datetimeFigureOut">
               <a:rPr lang="en-US" smtClean="0"/>
-              <a:t>12/15/2018</a:t>
+              <a:t>4/6/19</a:t>
             </a:fld>
             <a:endParaRPr lang="en-US"/>
           </a:p>
@@ -738,7 +738,7 @@
           <a:p>
             <a:fld id="{78C97017-6FC3-485B-9764-EAC9E56C1D49}" type="datetimeFigureOut">
               <a:rPr lang="en-US" smtClean="0"/>
-              <a:t>12/15/2018</a:t>
+              <a:t>4/6/19</a:t>
             </a:fld>
             <a:endParaRPr lang="en-US"/>
           </a:p>
@@ -906,7 +906,7 @@
           <a:p>
             <a:fld id="{78C97017-6FC3-485B-9764-EAC9E56C1D49}" type="datetimeFigureOut">
               <a:rPr lang="en-US" smtClean="0"/>
-              <a:t>12/15/2018</a:t>
+              <a:t>4/6/19</a:t>
             </a:fld>
             <a:endParaRPr lang="en-US"/>
           </a:p>
@@ -1084,7 +1084,7 @@
           <a:p>
             <a:fld id="{78C97017-6FC3-485B-9764-EAC9E56C1D49}" type="datetimeFigureOut">
               <a:rPr lang="en-US" smtClean="0"/>
-              <a:t>12/15/2018</a:t>
+              <a:t>4/6/19</a:t>
             </a:fld>
             <a:endParaRPr lang="en-US"/>
           </a:p>
@@ -1252,7 +1252,7 @@
           <a:p>
             <a:fld id="{78C97017-6FC3-485B-9764-EAC9E56C1D49}" type="datetimeFigureOut">
               <a:rPr lang="en-US" smtClean="0"/>
-              <a:t>12/15/2018</a:t>
+              <a:t>4/6/19</a:t>
             </a:fld>
             <a:endParaRPr lang="en-US"/>
           </a:p>
@@ -1497,7 +1497,7 @@
           <a:p>
             <a:fld id="{78C97017-6FC3-485B-9764-EAC9E56C1D49}" type="datetimeFigureOut">
               <a:rPr lang="en-US" smtClean="0"/>
-              <a:t>12/15/2018</a:t>
+              <a:t>4/6/19</a:t>
             </a:fld>
             <a:endParaRPr lang="en-US"/>
           </a:p>
@@ -1782,7 +1782,7 @@
           <a:p>
             <a:fld id="{78C97017-6FC3-485B-9764-EAC9E56C1D49}" type="datetimeFigureOut">
               <a:rPr lang="en-US" smtClean="0"/>
-              <a:t>12/15/2018</a:t>
+              <a:t>4/6/19</a:t>
             </a:fld>
             <a:endParaRPr lang="en-US"/>
           </a:p>
@@ -2201,7 +2201,7 @@
           <a:p>
             <a:fld id="{78C97017-6FC3-485B-9764-EAC9E56C1D49}" type="datetimeFigureOut">
               <a:rPr lang="en-US" smtClean="0"/>
-              <a:t>12/15/2018</a:t>
+              <a:t>4/6/19</a:t>
             </a:fld>
             <a:endParaRPr lang="en-US"/>
           </a:p>
@@ -2318,7 +2318,7 @@
           <a:p>
             <a:fld id="{78C97017-6FC3-485B-9764-EAC9E56C1D49}" type="datetimeFigureOut">
               <a:rPr lang="en-US" smtClean="0"/>
-              <a:t>12/15/2018</a:t>
+              <a:t>4/6/19</a:t>
             </a:fld>
             <a:endParaRPr lang="en-US"/>
           </a:p>
@@ -2413,7 +2413,7 @@
           <a:p>
             <a:fld id="{78C97017-6FC3-485B-9764-EAC9E56C1D49}" type="datetimeFigureOut">
               <a:rPr lang="en-US" smtClean="0"/>
-              <a:t>12/15/2018</a:t>
+              <a:t>4/6/19</a:t>
             </a:fld>
             <a:endParaRPr lang="en-US"/>
           </a:p>
@@ -2688,7 +2688,7 @@
           <a:p>
             <a:fld id="{78C97017-6FC3-485B-9764-EAC9E56C1D49}" type="datetimeFigureOut">
               <a:rPr lang="en-US" smtClean="0"/>
-              <a:t>12/15/2018</a:t>
+              <a:t>4/6/19</a:t>
             </a:fld>
             <a:endParaRPr lang="en-US"/>
           </a:p>
@@ -2940,7 +2940,7 @@
           <a:p>
             <a:fld id="{78C97017-6FC3-485B-9764-EAC9E56C1D49}" type="datetimeFigureOut">
               <a:rPr lang="en-US" smtClean="0"/>
-              <a:t>12/15/2018</a:t>
+              <a:t>4/6/19</a:t>
             </a:fld>
             <a:endParaRPr lang="en-US"/>
           </a:p>
@@ -3151,7 +3151,7 @@
           <a:p>
             <a:fld id="{78C97017-6FC3-485B-9764-EAC9E56C1D49}" type="datetimeFigureOut">
               <a:rPr lang="en-US" smtClean="0"/>
-              <a:t>12/15/2018</a:t>
+              <a:t>4/6/19</a:t>
             </a:fld>
             <a:endParaRPr lang="en-US"/>
           </a:p>
@@ -4376,8 +4376,8 @@
         </p:nvSpPr>
         <p:spPr>
           <a:xfrm>
-            <a:off x="4371378" y="3150453"/>
-            <a:ext cx="1228707" cy="215444"/>
+            <a:off x="4238206" y="3150453"/>
+            <a:ext cx="1361880" cy="184666"/>
           </a:xfrm>
           <a:prstGeom prst="rect">
             <a:avLst/>
@@ -4392,20 +4392,20 @@
           <a:p>
             <a:pPr algn="ctr"/>
             <a:r>
-              <a:rPr lang="en-US" sz="1400" dirty="0" err="1">
+              <a:rPr lang="en-US" sz="1200" dirty="0" err="1">
                 <a:solidFill>
                   <a:srgbClr val="7030A0"/>
                 </a:solidFill>
               </a:rPr>
-              <a:t>deletePerson</a:t>
-            </a:r>
-            <a:r>
-              <a:rPr lang="en-US" sz="1400" dirty="0">
+              <a:t>deleteEquipment</a:t>
+            </a:r>
+            <a:r>
+              <a:rPr lang="en-US" sz="1200" dirty="0">
                 <a:solidFill>
                   <a:srgbClr val="7030A0"/>
                 </a:solidFill>
               </a:rPr>
-              <a:t>(p)</a:t>
+              <a:t>(e)</a:t>
             </a:r>
           </a:p>
         </p:txBody>
@@ -4740,8 +4740,8 @@
         </p:nvSpPr>
         <p:spPr>
           <a:xfrm>
-            <a:off x="4484157" y="3921005"/>
-            <a:ext cx="2466828" cy="215444"/>
+            <a:off x="4500045" y="3921005"/>
+            <a:ext cx="2728358" cy="430887"/>
           </a:xfrm>
           <a:prstGeom prst="rect">
             <a:avLst/>
@@ -4755,16 +4755,6 @@
           <a:lstStyle/>
           <a:p>
             <a:pPr algn="ctr"/>
-            <a:r>
-              <a:rPr lang="en-US" sz="1400" dirty="0" err="1">
-                <a:solidFill>
-                  <a:schemeClr val="accent6">
-                    <a:lumMod val="75000"/>
-                  </a:schemeClr>
-                </a:solidFill>
-              </a:rPr>
-              <a:t>saveAddressBook</a:t>
-            </a:r>
             <a:r>
               <a:rPr lang="en-US" sz="1400" dirty="0">
                 <a:solidFill>
@@ -4773,27 +4763,7 @@
                   </a:schemeClr>
                 </a:solidFill>
               </a:rPr>
-              <a:t>(</a:t>
-            </a:r>
-            <a:r>
-              <a:rPr lang="en-US" sz="1400" dirty="0" err="1">
-                <a:solidFill>
-                  <a:schemeClr val="accent6">
-                    <a:lumMod val="75000"/>
-                  </a:schemeClr>
-                </a:solidFill>
-              </a:rPr>
-              <a:t>AddressBook</a:t>
-            </a:r>
-            <a:r>
-              <a:rPr lang="en-US" sz="1400" dirty="0">
-                <a:solidFill>
-                  <a:schemeClr val="accent6">
-                    <a:lumMod val="75000"/>
-                  </a:schemeClr>
-                </a:solidFill>
-              </a:rPr>
-              <a:t>)</a:t>
+              <a:t>saveEquipmentManager(EquipmentManager)</a:t>
             </a:r>
           </a:p>
         </p:txBody>

--- a/docs/diagrams/LogicComponentSequenceDiagram.pptx
+++ b/docs/diagrams/LogicComponentSequenceDiagram.pptx
@@ -208,7 +208,7 @@
           <a:p>
             <a:fld id="{F5CC4B3F-88C1-4FFA-B1B6-F41C21DC6924}" type="datetimeFigureOut">
               <a:rPr lang="en-US" smtClean="0"/>
-              <a:t>22-Mar-19</a:t>
+              <a:t>09-Apr-19</a:t>
             </a:fld>
             <a:endParaRPr lang="en-US"/>
           </a:p>
@@ -738,7 +738,7 @@
           <a:p>
             <a:fld id="{78C97017-6FC3-485B-9764-EAC9E56C1D49}" type="datetimeFigureOut">
               <a:rPr lang="en-US" smtClean="0"/>
-              <a:t>22-Mar-19</a:t>
+              <a:t>09-Apr-19</a:t>
             </a:fld>
             <a:endParaRPr lang="en-US"/>
           </a:p>
@@ -906,7 +906,7 @@
           <a:p>
             <a:fld id="{78C97017-6FC3-485B-9764-EAC9E56C1D49}" type="datetimeFigureOut">
               <a:rPr lang="en-US" smtClean="0"/>
-              <a:t>22-Mar-19</a:t>
+              <a:t>09-Apr-19</a:t>
             </a:fld>
             <a:endParaRPr lang="en-US"/>
           </a:p>
@@ -1084,7 +1084,7 @@
           <a:p>
             <a:fld id="{78C97017-6FC3-485B-9764-EAC9E56C1D49}" type="datetimeFigureOut">
               <a:rPr lang="en-US" smtClean="0"/>
-              <a:t>22-Mar-19</a:t>
+              <a:t>09-Apr-19</a:t>
             </a:fld>
             <a:endParaRPr lang="en-US"/>
           </a:p>
@@ -1252,7 +1252,7 @@
           <a:p>
             <a:fld id="{78C97017-6FC3-485B-9764-EAC9E56C1D49}" type="datetimeFigureOut">
               <a:rPr lang="en-US" smtClean="0"/>
-              <a:t>22-Mar-19</a:t>
+              <a:t>09-Apr-19</a:t>
             </a:fld>
             <a:endParaRPr lang="en-US"/>
           </a:p>
@@ -1497,7 +1497,7 @@
           <a:p>
             <a:fld id="{78C97017-6FC3-485B-9764-EAC9E56C1D49}" type="datetimeFigureOut">
               <a:rPr lang="en-US" smtClean="0"/>
-              <a:t>22-Mar-19</a:t>
+              <a:t>09-Apr-19</a:t>
             </a:fld>
             <a:endParaRPr lang="en-US"/>
           </a:p>
@@ -1782,7 +1782,7 @@
           <a:p>
             <a:fld id="{78C97017-6FC3-485B-9764-EAC9E56C1D49}" type="datetimeFigureOut">
               <a:rPr lang="en-US" smtClean="0"/>
-              <a:t>22-Mar-19</a:t>
+              <a:t>09-Apr-19</a:t>
             </a:fld>
             <a:endParaRPr lang="en-US"/>
           </a:p>
@@ -2201,7 +2201,7 @@
           <a:p>
             <a:fld id="{78C97017-6FC3-485B-9764-EAC9E56C1D49}" type="datetimeFigureOut">
               <a:rPr lang="en-US" smtClean="0"/>
-              <a:t>22-Mar-19</a:t>
+              <a:t>09-Apr-19</a:t>
             </a:fld>
             <a:endParaRPr lang="en-US"/>
           </a:p>
@@ -2318,7 +2318,7 @@
           <a:p>
             <a:fld id="{78C97017-6FC3-485B-9764-EAC9E56C1D49}" type="datetimeFigureOut">
               <a:rPr lang="en-US" smtClean="0"/>
-              <a:t>22-Mar-19</a:t>
+              <a:t>09-Apr-19</a:t>
             </a:fld>
             <a:endParaRPr lang="en-US"/>
           </a:p>
@@ -2413,7 +2413,7 @@
           <a:p>
             <a:fld id="{78C97017-6FC3-485B-9764-EAC9E56C1D49}" type="datetimeFigureOut">
               <a:rPr lang="en-US" smtClean="0"/>
-              <a:t>22-Mar-19</a:t>
+              <a:t>09-Apr-19</a:t>
             </a:fld>
             <a:endParaRPr lang="en-US"/>
           </a:p>
@@ -2688,7 +2688,7 @@
           <a:p>
             <a:fld id="{78C97017-6FC3-485B-9764-EAC9E56C1D49}" type="datetimeFigureOut">
               <a:rPr lang="en-US" smtClean="0"/>
-              <a:t>22-Mar-19</a:t>
+              <a:t>09-Apr-19</a:t>
             </a:fld>
             <a:endParaRPr lang="en-US"/>
           </a:p>
@@ -2940,7 +2940,7 @@
           <a:p>
             <a:fld id="{78C97017-6FC3-485B-9764-EAC9E56C1D49}" type="datetimeFigureOut">
               <a:rPr lang="en-US" smtClean="0"/>
-              <a:t>22-Mar-19</a:t>
+              <a:t>09-Apr-19</a:t>
             </a:fld>
             <a:endParaRPr lang="en-US"/>
           </a:p>
@@ -3151,7 +3151,7 @@
           <a:p>
             <a:fld id="{78C97017-6FC3-485B-9764-EAC9E56C1D49}" type="datetimeFigureOut">
               <a:rPr lang="en-US" smtClean="0"/>
-              <a:t>22-Mar-19</a:t>
+              <a:t>09-Apr-19</a:t>
             </a:fld>
             <a:endParaRPr lang="en-US"/>
           </a:p>
@@ -4392,20 +4392,12 @@
           <a:p>
             <a:pPr algn="ctr"/>
             <a:r>
-              <a:rPr lang="en-US" sz="1400" dirty="0" err="1">
-                <a:solidFill>
-                  <a:srgbClr val="7030A0"/>
-                </a:solidFill>
-              </a:rPr>
-              <a:t>deletePlace</a:t>
-            </a:r>
-            <a:r>
               <a:rPr lang="en-US" sz="1400" dirty="0">
                 <a:solidFill>
                   <a:srgbClr val="7030A0"/>
                 </a:solidFill>
               </a:rPr>
-              <a:t>(p)</a:t>
+              <a:t>deletePlace(p)</a:t>
             </a:r>
           </a:p>
         </p:txBody>
@@ -4756,32 +4748,15 @@
           <a:p>
             <a:pPr algn="ctr"/>
             <a:r>
-              <a:rPr lang="en-US" sz="1400" dirty="0" err="1">
+              <a:rPr lang="en-US" sz="1400" dirty="0">
                 <a:solidFill>
                   <a:schemeClr val="accent6">
                     <a:lumMod val="75000"/>
                   </a:schemeClr>
                 </a:solidFill>
               </a:rPr>
-              <a:t>saveTravelBuddy</a:t>
-            </a:r>
-            <a:r>
-              <a:rPr lang="en-US" sz="1400">
-                <a:solidFill>
-                  <a:schemeClr val="accent6">
-                    <a:lumMod val="75000"/>
-                  </a:schemeClr>
-                </a:solidFill>
-              </a:rPr>
-              <a:t>(TravelBuddy)</a:t>
-            </a:r>
-            <a:endParaRPr lang="en-US" sz="1400" dirty="0">
-              <a:solidFill>
-                <a:schemeClr val="accent6">
-                  <a:lumMod val="75000"/>
-                </a:schemeClr>
-              </a:solidFill>
-            </a:endParaRPr>
+              <a:t>saveTravelBuddy(TravelBuddy)</a:t>
+            </a:r>
           </a:p>
         </p:txBody>
       </p:sp>

--- a/docs/diagrams/LogicComponentSequenceDiagram.pptx
+++ b/docs/diagrams/LogicComponentSequenceDiagram.pptx
@@ -109,7 +109,7 @@
   </p:defaultTextStyle>
   <p:extLst>
     <p:ext uri="{EFAFB233-063F-42B5-8137-9DF3F51BA10A}">
-      <p15:sldGuideLst xmlns:p15="http://schemas.microsoft.com/office/powerpoint/2012/main" xmlns="">
+      <p15:sldGuideLst xmlns="" xmlns:p15="http://schemas.microsoft.com/office/powerpoint/2012/main">
         <p15:guide id="1" orient="horz" pos="1488">
           <p15:clr>
             <a:srgbClr val="A4A3A4"/>
@@ -175,7 +175,7 @@
             </a:lvl1pPr>
           </a:lstStyle>
           <a:p>
-            <a:endParaRPr lang="en-US"/>
+            <a:endParaRPr lang="en-US" dirty="0"/>
           </a:p>
         </p:txBody>
       </p:sp>
@@ -209,9 +209,9 @@
             <a:fld id="{F5CC4B3F-88C1-4FFA-B1B6-F41C21DC6924}" type="datetimeFigureOut">
               <a:rPr lang="en-US" smtClean="0"/>
               <a:pPr/>
-              <a:t>3/31/2019</a:t>
+              <a:t>4/11/2019</a:t>
             </a:fld>
-            <a:endParaRPr lang="en-US"/>
+            <a:endParaRPr lang="en-US" dirty="0"/>
           </a:p>
         </p:txBody>
       </p:sp>
@@ -244,7 +244,7 @@
           <a:bodyPr vert="horz" lIns="91440" tIns="45720" rIns="91440" bIns="45720" rtlCol="0" anchor="ctr"/>
           <a:lstStyle/>
           <a:p>
-            <a:endParaRPr lang="en-US"/>
+            <a:endParaRPr lang="en-US" dirty="0"/>
           </a:p>
         </p:txBody>
       </p:sp>
@@ -334,7 +334,7 @@
             </a:lvl1pPr>
           </a:lstStyle>
           <a:p>
-            <a:endParaRPr lang="en-US"/>
+            <a:endParaRPr lang="en-US" dirty="0"/>
           </a:p>
         </p:txBody>
       </p:sp>
@@ -370,14 +370,14 @@
               <a:pPr/>
               <a:t>‹#›</a:t>
             </a:fld>
-            <a:endParaRPr lang="en-US"/>
+            <a:endParaRPr lang="en-US" dirty="0"/>
           </a:p>
         </p:txBody>
       </p:sp>
     </p:spTree>
     <p:extLst>
       <p:ext uri="{BB962C8B-B14F-4D97-AF65-F5344CB8AC3E}">
-        <p14:creationId xmlns:p14="http://schemas.microsoft.com/office/powerpoint/2010/main" xmlns="" val="2023976206"/>
+        <p14:creationId xmlns="" xmlns:p14="http://schemas.microsoft.com/office/powerpoint/2010/main" val="2023976206"/>
       </p:ext>
     </p:extLst>
   </p:cSld>
@@ -545,14 +545,14 @@
               <a:pPr/>
               <a:t>1</a:t>
             </a:fld>
-            <a:endParaRPr lang="en-US"/>
+            <a:endParaRPr lang="en-US" dirty="0"/>
           </a:p>
         </p:txBody>
       </p:sp>
     </p:spTree>
     <p:extLst>
       <p:ext uri="{BB962C8B-B14F-4D97-AF65-F5344CB8AC3E}">
-        <p14:creationId xmlns:p14="http://schemas.microsoft.com/office/powerpoint/2010/main" xmlns="" val="2503452583"/>
+        <p14:creationId xmlns="" xmlns:p14="http://schemas.microsoft.com/office/powerpoint/2010/main" val="2503452583"/>
       </p:ext>
     </p:extLst>
   </p:cSld>
@@ -742,9 +742,9 @@
             <a:fld id="{78C97017-6FC3-485B-9764-EAC9E56C1D49}" type="datetimeFigureOut">
               <a:rPr lang="en-US" smtClean="0"/>
               <a:pPr/>
-              <a:t>3/31/2019</a:t>
+              <a:t>4/11/2019</a:t>
             </a:fld>
-            <a:endParaRPr lang="en-US"/>
+            <a:endParaRPr lang="en-US" dirty="0"/>
           </a:p>
         </p:txBody>
       </p:sp>
@@ -763,7 +763,7 @@
           <a:bodyPr/>
           <a:lstStyle/>
           <a:p>
-            <a:endParaRPr lang="en-US"/>
+            <a:endParaRPr lang="en-US" dirty="0"/>
           </a:p>
         </p:txBody>
       </p:sp>
@@ -787,14 +787,14 @@
               <a:pPr/>
               <a:t>‹#›</a:t>
             </a:fld>
-            <a:endParaRPr lang="en-US"/>
+            <a:endParaRPr lang="en-US" dirty="0"/>
           </a:p>
         </p:txBody>
       </p:sp>
     </p:spTree>
     <p:extLst>
       <p:ext uri="{BB962C8B-B14F-4D97-AF65-F5344CB8AC3E}">
-        <p14:creationId xmlns:p14="http://schemas.microsoft.com/office/powerpoint/2010/main" xmlns="" val="3246593157"/>
+        <p14:creationId xmlns="" xmlns:p14="http://schemas.microsoft.com/office/powerpoint/2010/main" val="3246593157"/>
       </p:ext>
     </p:extLst>
   </p:cSld>
@@ -912,9 +912,9 @@
             <a:fld id="{78C97017-6FC3-485B-9764-EAC9E56C1D49}" type="datetimeFigureOut">
               <a:rPr lang="en-US" smtClean="0"/>
               <a:pPr/>
-              <a:t>3/31/2019</a:t>
+              <a:t>4/11/2019</a:t>
             </a:fld>
-            <a:endParaRPr lang="en-US"/>
+            <a:endParaRPr lang="en-US" dirty="0"/>
           </a:p>
         </p:txBody>
       </p:sp>
@@ -933,7 +933,7 @@
           <a:bodyPr/>
           <a:lstStyle/>
           <a:p>
-            <a:endParaRPr lang="en-US"/>
+            <a:endParaRPr lang="en-US" dirty="0"/>
           </a:p>
         </p:txBody>
       </p:sp>
@@ -957,14 +957,14 @@
               <a:pPr/>
               <a:t>‹#›</a:t>
             </a:fld>
-            <a:endParaRPr lang="en-US"/>
+            <a:endParaRPr lang="en-US" dirty="0"/>
           </a:p>
         </p:txBody>
       </p:sp>
     </p:spTree>
     <p:extLst>
       <p:ext uri="{BB962C8B-B14F-4D97-AF65-F5344CB8AC3E}">
-        <p14:creationId xmlns:p14="http://schemas.microsoft.com/office/powerpoint/2010/main" xmlns="" val="2707025021"/>
+        <p14:creationId xmlns="" xmlns:p14="http://schemas.microsoft.com/office/powerpoint/2010/main" val="2707025021"/>
       </p:ext>
     </p:extLst>
   </p:cSld>
@@ -1092,9 +1092,9 @@
             <a:fld id="{78C97017-6FC3-485B-9764-EAC9E56C1D49}" type="datetimeFigureOut">
               <a:rPr lang="en-US" smtClean="0"/>
               <a:pPr/>
-              <a:t>3/31/2019</a:t>
+              <a:t>4/11/2019</a:t>
             </a:fld>
-            <a:endParaRPr lang="en-US"/>
+            <a:endParaRPr lang="en-US" dirty="0"/>
           </a:p>
         </p:txBody>
       </p:sp>
@@ -1113,7 +1113,7 @@
           <a:bodyPr/>
           <a:lstStyle/>
           <a:p>
-            <a:endParaRPr lang="en-US"/>
+            <a:endParaRPr lang="en-US" dirty="0"/>
           </a:p>
         </p:txBody>
       </p:sp>
@@ -1137,14 +1137,14 @@
               <a:pPr/>
               <a:t>‹#›</a:t>
             </a:fld>
-            <a:endParaRPr lang="en-US"/>
+            <a:endParaRPr lang="en-US" dirty="0"/>
           </a:p>
         </p:txBody>
       </p:sp>
     </p:spTree>
     <p:extLst>
       <p:ext uri="{BB962C8B-B14F-4D97-AF65-F5344CB8AC3E}">
-        <p14:creationId xmlns:p14="http://schemas.microsoft.com/office/powerpoint/2010/main" xmlns="" val="568378986"/>
+        <p14:creationId xmlns="" xmlns:p14="http://schemas.microsoft.com/office/powerpoint/2010/main" val="568378986"/>
       </p:ext>
     </p:extLst>
   </p:cSld>
@@ -1262,9 +1262,9 @@
             <a:fld id="{78C97017-6FC3-485B-9764-EAC9E56C1D49}" type="datetimeFigureOut">
               <a:rPr lang="en-US" smtClean="0"/>
               <a:pPr/>
-              <a:t>3/31/2019</a:t>
+              <a:t>4/11/2019</a:t>
             </a:fld>
-            <a:endParaRPr lang="en-US"/>
+            <a:endParaRPr lang="en-US" dirty="0"/>
           </a:p>
         </p:txBody>
       </p:sp>
@@ -1283,7 +1283,7 @@
           <a:bodyPr/>
           <a:lstStyle/>
           <a:p>
-            <a:endParaRPr lang="en-US"/>
+            <a:endParaRPr lang="en-US" dirty="0"/>
           </a:p>
         </p:txBody>
       </p:sp>
@@ -1307,14 +1307,14 @@
               <a:pPr/>
               <a:t>‹#›</a:t>
             </a:fld>
-            <a:endParaRPr lang="en-US"/>
+            <a:endParaRPr lang="en-US" dirty="0"/>
           </a:p>
         </p:txBody>
       </p:sp>
     </p:spTree>
     <p:extLst>
       <p:ext uri="{BB962C8B-B14F-4D97-AF65-F5344CB8AC3E}">
-        <p14:creationId xmlns:p14="http://schemas.microsoft.com/office/powerpoint/2010/main" xmlns="" val="266658052"/>
+        <p14:creationId xmlns="" xmlns:p14="http://schemas.microsoft.com/office/powerpoint/2010/main" val="266658052"/>
       </p:ext>
     </p:extLst>
   </p:cSld>
@@ -1509,9 +1509,9 @@
             <a:fld id="{78C97017-6FC3-485B-9764-EAC9E56C1D49}" type="datetimeFigureOut">
               <a:rPr lang="en-US" smtClean="0"/>
               <a:pPr/>
-              <a:t>3/31/2019</a:t>
+              <a:t>4/11/2019</a:t>
             </a:fld>
-            <a:endParaRPr lang="en-US"/>
+            <a:endParaRPr lang="en-US" dirty="0"/>
           </a:p>
         </p:txBody>
       </p:sp>
@@ -1530,7 +1530,7 @@
           <a:bodyPr/>
           <a:lstStyle/>
           <a:p>
-            <a:endParaRPr lang="en-US"/>
+            <a:endParaRPr lang="en-US" dirty="0"/>
           </a:p>
         </p:txBody>
       </p:sp>
@@ -1554,14 +1554,14 @@
               <a:pPr/>
               <a:t>‹#›</a:t>
             </a:fld>
-            <a:endParaRPr lang="en-US"/>
+            <a:endParaRPr lang="en-US" dirty="0"/>
           </a:p>
         </p:txBody>
       </p:sp>
     </p:spTree>
     <p:extLst>
       <p:ext uri="{BB962C8B-B14F-4D97-AF65-F5344CB8AC3E}">
-        <p14:creationId xmlns:p14="http://schemas.microsoft.com/office/powerpoint/2010/main" xmlns="" val="474686344"/>
+        <p14:creationId xmlns="" xmlns:p14="http://schemas.microsoft.com/office/powerpoint/2010/main" val="474686344"/>
       </p:ext>
     </p:extLst>
   </p:cSld>
@@ -1796,9 +1796,9 @@
             <a:fld id="{78C97017-6FC3-485B-9764-EAC9E56C1D49}" type="datetimeFigureOut">
               <a:rPr lang="en-US" smtClean="0"/>
               <a:pPr/>
-              <a:t>3/31/2019</a:t>
+              <a:t>4/11/2019</a:t>
             </a:fld>
-            <a:endParaRPr lang="en-US"/>
+            <a:endParaRPr lang="en-US" dirty="0"/>
           </a:p>
         </p:txBody>
       </p:sp>
@@ -1817,7 +1817,7 @@
           <a:bodyPr/>
           <a:lstStyle/>
           <a:p>
-            <a:endParaRPr lang="en-US"/>
+            <a:endParaRPr lang="en-US" dirty="0"/>
           </a:p>
         </p:txBody>
       </p:sp>
@@ -1841,14 +1841,14 @@
               <a:pPr/>
               <a:t>‹#›</a:t>
             </a:fld>
-            <a:endParaRPr lang="en-US"/>
+            <a:endParaRPr lang="en-US" dirty="0"/>
           </a:p>
         </p:txBody>
       </p:sp>
     </p:spTree>
     <p:extLst>
       <p:ext uri="{BB962C8B-B14F-4D97-AF65-F5344CB8AC3E}">
-        <p14:creationId xmlns:p14="http://schemas.microsoft.com/office/powerpoint/2010/main" xmlns="" val="562293251"/>
+        <p14:creationId xmlns="" xmlns:p14="http://schemas.microsoft.com/office/powerpoint/2010/main" val="562293251"/>
       </p:ext>
     </p:extLst>
   </p:cSld>
@@ -2217,9 +2217,9 @@
             <a:fld id="{78C97017-6FC3-485B-9764-EAC9E56C1D49}" type="datetimeFigureOut">
               <a:rPr lang="en-US" smtClean="0"/>
               <a:pPr/>
-              <a:t>3/31/2019</a:t>
+              <a:t>4/11/2019</a:t>
             </a:fld>
-            <a:endParaRPr lang="en-US"/>
+            <a:endParaRPr lang="en-US" dirty="0"/>
           </a:p>
         </p:txBody>
       </p:sp>
@@ -2238,7 +2238,7 @@
           <a:bodyPr/>
           <a:lstStyle/>
           <a:p>
-            <a:endParaRPr lang="en-US"/>
+            <a:endParaRPr lang="en-US" dirty="0"/>
           </a:p>
         </p:txBody>
       </p:sp>
@@ -2262,14 +2262,14 @@
               <a:pPr/>
               <a:t>‹#›</a:t>
             </a:fld>
-            <a:endParaRPr lang="en-US"/>
+            <a:endParaRPr lang="en-US" dirty="0"/>
           </a:p>
         </p:txBody>
       </p:sp>
     </p:spTree>
     <p:extLst>
       <p:ext uri="{BB962C8B-B14F-4D97-AF65-F5344CB8AC3E}">
-        <p14:creationId xmlns:p14="http://schemas.microsoft.com/office/powerpoint/2010/main" xmlns="" val="1126424250"/>
+        <p14:creationId xmlns="" xmlns:p14="http://schemas.microsoft.com/office/powerpoint/2010/main" val="1126424250"/>
       </p:ext>
     </p:extLst>
   </p:cSld>
@@ -2336,9 +2336,9 @@
             <a:fld id="{78C97017-6FC3-485B-9764-EAC9E56C1D49}" type="datetimeFigureOut">
               <a:rPr lang="en-US" smtClean="0"/>
               <a:pPr/>
-              <a:t>3/31/2019</a:t>
+              <a:t>4/11/2019</a:t>
             </a:fld>
-            <a:endParaRPr lang="en-US"/>
+            <a:endParaRPr lang="en-US" dirty="0"/>
           </a:p>
         </p:txBody>
       </p:sp>
@@ -2357,7 +2357,7 @@
           <a:bodyPr/>
           <a:lstStyle/>
           <a:p>
-            <a:endParaRPr lang="en-US"/>
+            <a:endParaRPr lang="en-US" dirty="0"/>
           </a:p>
         </p:txBody>
       </p:sp>
@@ -2381,14 +2381,14 @@
               <a:pPr/>
               <a:t>‹#›</a:t>
             </a:fld>
-            <a:endParaRPr lang="en-US"/>
+            <a:endParaRPr lang="en-US" dirty="0"/>
           </a:p>
         </p:txBody>
       </p:sp>
     </p:spTree>
     <p:extLst>
       <p:ext uri="{BB962C8B-B14F-4D97-AF65-F5344CB8AC3E}">
-        <p14:creationId xmlns:p14="http://schemas.microsoft.com/office/powerpoint/2010/main" xmlns="" val="4159724230"/>
+        <p14:creationId xmlns="" xmlns:p14="http://schemas.microsoft.com/office/powerpoint/2010/main" val="4159724230"/>
       </p:ext>
     </p:extLst>
   </p:cSld>
@@ -2433,9 +2433,9 @@
             <a:fld id="{78C97017-6FC3-485B-9764-EAC9E56C1D49}" type="datetimeFigureOut">
               <a:rPr lang="en-US" smtClean="0"/>
               <a:pPr/>
-              <a:t>3/31/2019</a:t>
+              <a:t>4/11/2019</a:t>
             </a:fld>
-            <a:endParaRPr lang="en-US"/>
+            <a:endParaRPr lang="en-US" dirty="0"/>
           </a:p>
         </p:txBody>
       </p:sp>
@@ -2454,7 +2454,7 @@
           <a:bodyPr/>
           <a:lstStyle/>
           <a:p>
-            <a:endParaRPr lang="en-US"/>
+            <a:endParaRPr lang="en-US" dirty="0"/>
           </a:p>
         </p:txBody>
       </p:sp>
@@ -2478,14 +2478,14 @@
               <a:pPr/>
               <a:t>‹#›</a:t>
             </a:fld>
-            <a:endParaRPr lang="en-US"/>
+            <a:endParaRPr lang="en-US" dirty="0"/>
           </a:p>
         </p:txBody>
       </p:sp>
     </p:spTree>
     <p:extLst>
       <p:ext uri="{BB962C8B-B14F-4D97-AF65-F5344CB8AC3E}">
-        <p14:creationId xmlns:p14="http://schemas.microsoft.com/office/powerpoint/2010/main" xmlns="" val="1793928710"/>
+        <p14:creationId xmlns="" xmlns:p14="http://schemas.microsoft.com/office/powerpoint/2010/main" val="1793928710"/>
       </p:ext>
     </p:extLst>
   </p:cSld>
@@ -2710,9 +2710,9 @@
             <a:fld id="{78C97017-6FC3-485B-9764-EAC9E56C1D49}" type="datetimeFigureOut">
               <a:rPr lang="en-US" smtClean="0"/>
               <a:pPr/>
-              <a:t>3/31/2019</a:t>
+              <a:t>4/11/2019</a:t>
             </a:fld>
-            <a:endParaRPr lang="en-US"/>
+            <a:endParaRPr lang="en-US" dirty="0"/>
           </a:p>
         </p:txBody>
       </p:sp>
@@ -2731,7 +2731,7 @@
           <a:bodyPr/>
           <a:lstStyle/>
           <a:p>
-            <a:endParaRPr lang="en-US"/>
+            <a:endParaRPr lang="en-US" dirty="0"/>
           </a:p>
         </p:txBody>
       </p:sp>
@@ -2755,14 +2755,14 @@
               <a:pPr/>
               <a:t>‹#›</a:t>
             </a:fld>
-            <a:endParaRPr lang="en-US"/>
+            <a:endParaRPr lang="en-US" dirty="0"/>
           </a:p>
         </p:txBody>
       </p:sp>
     </p:spTree>
     <p:extLst>
       <p:ext uri="{BB962C8B-B14F-4D97-AF65-F5344CB8AC3E}">
-        <p14:creationId xmlns:p14="http://schemas.microsoft.com/office/powerpoint/2010/main" xmlns="" val="2076802089"/>
+        <p14:creationId xmlns="" xmlns:p14="http://schemas.microsoft.com/office/powerpoint/2010/main" val="2076802089"/>
       </p:ext>
     </p:extLst>
   </p:cSld>
@@ -2877,7 +2877,7 @@
             </a:lvl9pPr>
           </a:lstStyle>
           <a:p>
-            <a:endParaRPr lang="en-US"/>
+            <a:endParaRPr lang="en-US" dirty="0"/>
           </a:p>
         </p:txBody>
       </p:sp>
@@ -2964,9 +2964,9 @@
             <a:fld id="{78C97017-6FC3-485B-9764-EAC9E56C1D49}" type="datetimeFigureOut">
               <a:rPr lang="en-US" smtClean="0"/>
               <a:pPr/>
-              <a:t>3/31/2019</a:t>
+              <a:t>4/11/2019</a:t>
             </a:fld>
-            <a:endParaRPr lang="en-US"/>
+            <a:endParaRPr lang="en-US" dirty="0"/>
           </a:p>
         </p:txBody>
       </p:sp>
@@ -2985,7 +2985,7 @@
           <a:bodyPr/>
           <a:lstStyle/>
           <a:p>
-            <a:endParaRPr lang="en-US"/>
+            <a:endParaRPr lang="en-US" dirty="0"/>
           </a:p>
         </p:txBody>
       </p:sp>
@@ -3009,14 +3009,14 @@
               <a:pPr/>
               <a:t>‹#›</a:t>
             </a:fld>
-            <a:endParaRPr lang="en-US"/>
+            <a:endParaRPr lang="en-US" dirty="0"/>
           </a:p>
         </p:txBody>
       </p:sp>
     </p:spTree>
     <p:extLst>
       <p:ext uri="{BB962C8B-B14F-4D97-AF65-F5344CB8AC3E}">
-        <p14:creationId xmlns:p14="http://schemas.microsoft.com/office/powerpoint/2010/main" xmlns="" val="201835938"/>
+        <p14:creationId xmlns="" xmlns:p14="http://schemas.microsoft.com/office/powerpoint/2010/main" val="201835938"/>
       </p:ext>
     </p:extLst>
   </p:cSld>
@@ -3177,9 +3177,9 @@
             <a:fld id="{78C97017-6FC3-485B-9764-EAC9E56C1D49}" type="datetimeFigureOut">
               <a:rPr lang="en-US" smtClean="0"/>
               <a:pPr/>
-              <a:t>3/31/2019</a:t>
+              <a:t>4/11/2019</a:t>
             </a:fld>
-            <a:endParaRPr lang="en-US"/>
+            <a:endParaRPr lang="en-US" dirty="0"/>
           </a:p>
         </p:txBody>
       </p:sp>
@@ -3216,7 +3216,7 @@
             </a:lvl1pPr>
           </a:lstStyle>
           <a:p>
-            <a:endParaRPr lang="en-US"/>
+            <a:endParaRPr lang="en-US" dirty="0"/>
           </a:p>
         </p:txBody>
       </p:sp>
@@ -3258,14 +3258,14 @@
               <a:pPr/>
               <a:t>‹#›</a:t>
             </a:fld>
-            <a:endParaRPr lang="en-US"/>
+            <a:endParaRPr lang="en-US" dirty="0"/>
           </a:p>
         </p:txBody>
       </p:sp>
     </p:spTree>
     <p:extLst>
       <p:ext uri="{BB962C8B-B14F-4D97-AF65-F5344CB8AC3E}">
-        <p14:creationId xmlns:p14="http://schemas.microsoft.com/office/powerpoint/2010/main" xmlns="" val="2341400630"/>
+        <p14:creationId xmlns="" xmlns:p14="http://schemas.microsoft.com/office/powerpoint/2010/main" val="2341400630"/>
       </p:ext>
     </p:extLst>
   </p:cSld>
@@ -3694,7 +3694,7 @@
           <a:lstStyle/>
           <a:p>
             <a:pPr algn="ctr"/>
-            <a:endParaRPr lang="en-SG" sz="1400">
+            <a:endParaRPr lang="en-SG" sz="1400" dirty="0">
               <a:solidFill>
                 <a:schemeClr val="dk1"/>
               </a:solidFill>
@@ -3761,7 +3761,7 @@
             <a:lstStyle/>
             <a:p>
               <a:pPr algn="ctr"/>
-              <a:endParaRPr lang="en-SG"/>
+              <a:endParaRPr lang="en-SG" dirty="0"/>
             </a:p>
           </p:txBody>
         </p:sp>
@@ -3878,7 +3878,7 @@
             <a:lstStyle/>
             <a:p>
               <a:pPr algn="ctr"/>
-              <a:endParaRPr lang="en-SG"/>
+              <a:endParaRPr lang="en-SG" dirty="0"/>
             </a:p>
           </p:txBody>
         </p:sp>
@@ -4060,7 +4060,7 @@
           <a:lstStyle/>
           <a:p>
             <a:pPr algn="ctr"/>
-            <a:endParaRPr lang="en-SG" sz="1400">
+            <a:endParaRPr lang="en-SG" sz="1400" dirty="0">
               <a:solidFill>
                 <a:schemeClr val="dk1"/>
               </a:solidFill>
@@ -4209,7 +4209,7 @@
           <a:lstStyle/>
           <a:p>
             <a:pPr algn="ctr"/>
-            <a:endParaRPr lang="en-SG" sz="1400">
+            <a:endParaRPr lang="en-SG" sz="1400" dirty="0">
               <a:solidFill>
                 <a:schemeClr val="dk1"/>
               </a:solidFill>
@@ -4403,8 +4403,8 @@
         </p:nvSpPr>
         <p:spPr>
           <a:xfrm>
-            <a:off x="4371378" y="3150453"/>
-            <a:ext cx="1228707" cy="430887"/>
+            <a:off x="4170680" y="3391654"/>
+            <a:ext cx="1572222" cy="184666"/>
           </a:xfrm>
           <a:prstGeom prst="rect">
             <a:avLst/>
@@ -4419,22 +4419,14 @@
           <a:p>
             <a:pPr algn="ctr"/>
             <a:r>
-              <a:rPr lang="en-US" sz="1400" dirty="0" err="1" smtClean="0">
+              <a:rPr lang="en-US" sz="1200" dirty="0" smtClean="0">
                 <a:solidFill>
                   <a:srgbClr val="7030A0"/>
                 </a:solidFill>
               </a:rPr>
-              <a:t>deleteModuleTaken</a:t>
-            </a:r>
-            <a:r>
-              <a:rPr lang="en-US" sz="1400" dirty="0" smtClean="0">
-                <a:solidFill>
-                  <a:srgbClr val="7030A0"/>
-                </a:solidFill>
-              </a:rPr>
-              <a:t>(m)</a:t>
-            </a:r>
-            <a:endParaRPr lang="en-US" sz="1400" dirty="0">
+              <a:t>deleteModuleTaken(m)</a:t>
+            </a:r>
+            <a:endParaRPr lang="en-US" sz="1200" dirty="0">
               <a:solidFill>
                 <a:srgbClr val="7030A0"/>
               </a:solidFill>
@@ -4713,7 +4705,7 @@
           <a:lstStyle/>
           <a:p>
             <a:pPr algn="ctr"/>
-            <a:endParaRPr lang="en-SG" sz="1400">
+            <a:endParaRPr lang="en-SG" sz="1400" dirty="0">
               <a:solidFill>
                 <a:schemeClr val="dk1"/>
               </a:solidFill>
@@ -4772,7 +4764,7 @@
         </p:nvSpPr>
         <p:spPr>
           <a:xfrm>
-            <a:off x="4484157" y="3921005"/>
+            <a:off x="4423197" y="3921005"/>
             <a:ext cx="2466828" cy="215444"/>
           </a:xfrm>
           <a:prstGeom prst="rect">
@@ -4788,16 +4780,6 @@
           <a:p>
             <a:pPr algn="ctr"/>
             <a:r>
-              <a:rPr lang="en-US" sz="1400" dirty="0" err="1" smtClean="0">
-                <a:solidFill>
-                  <a:schemeClr val="accent6">
-                    <a:lumMod val="75000"/>
-                  </a:schemeClr>
-                </a:solidFill>
-              </a:rPr>
-              <a:t>saveGradTrak</a:t>
-            </a:r>
-            <a:r>
               <a:rPr lang="en-US" sz="1400" dirty="0" smtClean="0">
                 <a:solidFill>
                   <a:schemeClr val="accent6">
@@ -4805,27 +4787,7 @@
                   </a:schemeClr>
                 </a:solidFill>
               </a:rPr>
-              <a:t>(</a:t>
-            </a:r>
-            <a:r>
-              <a:rPr lang="en-US" sz="1400" dirty="0" err="1" smtClean="0">
-                <a:solidFill>
-                  <a:schemeClr val="accent6">
-                    <a:lumMod val="75000"/>
-                  </a:schemeClr>
-                </a:solidFill>
-              </a:rPr>
-              <a:t>GradTrak</a:t>
-            </a:r>
-            <a:r>
-              <a:rPr lang="en-US" sz="1400" dirty="0" smtClean="0">
-                <a:solidFill>
-                  <a:schemeClr val="accent6">
-                    <a:lumMod val="75000"/>
-                  </a:schemeClr>
-                </a:solidFill>
-              </a:rPr>
-              <a:t>)</a:t>
+              <a:t>saveGradTrak(GradTrak)</a:t>
             </a:r>
             <a:endParaRPr lang="en-US" sz="1400" dirty="0">
               <a:solidFill>
@@ -4981,7 +4943,7 @@
             <a:lstStyle/>
             <a:p>
               <a:pPr algn="ctr"/>
-              <a:endParaRPr lang="en-SG"/>
+              <a:endParaRPr lang="en-SG" dirty="0"/>
             </a:p>
           </p:txBody>
         </p:sp>
@@ -5030,7 +4992,7 @@
             <a:lstStyle/>
             <a:p>
               <a:pPr algn="ctr"/>
-              <a:endParaRPr lang="en-SG" sz="1400">
+              <a:endParaRPr lang="en-SG" sz="1400" dirty="0">
                 <a:solidFill>
                   <a:schemeClr val="dk1"/>
                 </a:solidFill>
@@ -5098,7 +5060,7 @@
           <p:cNvPr id="78" name="Straight Arrow Connector 77">
             <a:extLst>
               <a:ext uri="{FF2B5EF4-FFF2-40B4-BE49-F238E27FC236}">
-                <a16:creationId xmlns:a16="http://schemas.microsoft.com/office/drawing/2014/main" xmlns="" id="{4AB8DFA2-C3DE-4CDF-82C8-BDE3320A5C3E}"/>
+                <a16:creationId xmlns="" xmlns:a16="http://schemas.microsoft.com/office/drawing/2014/main" id="{4AB8DFA2-C3DE-4CDF-82C8-BDE3320A5C3E}"/>
               </a:ext>
             </a:extLst>
           </p:cNvPr>
@@ -5140,7 +5102,7 @@
     </p:spTree>
     <p:extLst>
       <p:ext uri="{BB962C8B-B14F-4D97-AF65-F5344CB8AC3E}">
-        <p14:creationId xmlns:p14="http://schemas.microsoft.com/office/powerpoint/2010/main" xmlns="" val="4023378879"/>
+        <p14:creationId xmlns="" xmlns:p14="http://schemas.microsoft.com/office/powerpoint/2010/main" val="4023378879"/>
       </p:ext>
     </p:extLst>
   </p:cSld>

--- a/docs/diagrams/LogicComponentSequenceDiagram.pptx
+++ b/docs/diagrams/LogicComponentSequenceDiagram.pptx
@@ -208,7 +208,7 @@
           <a:p>
             <a:fld id="{F5CC4B3F-88C1-4FFA-B1B6-F41C21DC6924}" type="datetimeFigureOut">
               <a:rPr lang="en-US" smtClean="0"/>
-              <a:t>4/3/19</a:t>
+              <a:t>4/13/19</a:t>
             </a:fld>
             <a:endParaRPr lang="en-US"/>
           </a:p>
@@ -738,7 +738,7 @@
           <a:p>
             <a:fld id="{78C97017-6FC3-485B-9764-EAC9E56C1D49}" type="datetimeFigureOut">
               <a:rPr lang="en-US" smtClean="0"/>
-              <a:t>4/3/19</a:t>
+              <a:t>4/13/19</a:t>
             </a:fld>
             <a:endParaRPr lang="en-US"/>
           </a:p>
@@ -906,7 +906,7 @@
           <a:p>
             <a:fld id="{78C97017-6FC3-485B-9764-EAC9E56C1D49}" type="datetimeFigureOut">
               <a:rPr lang="en-US" smtClean="0"/>
-              <a:t>4/3/19</a:t>
+              <a:t>4/13/19</a:t>
             </a:fld>
             <a:endParaRPr lang="en-US"/>
           </a:p>
@@ -1084,7 +1084,7 @@
           <a:p>
             <a:fld id="{78C97017-6FC3-485B-9764-EAC9E56C1D49}" type="datetimeFigureOut">
               <a:rPr lang="en-US" smtClean="0"/>
-              <a:t>4/3/19</a:t>
+              <a:t>4/13/19</a:t>
             </a:fld>
             <a:endParaRPr lang="en-US"/>
           </a:p>
@@ -1252,7 +1252,7 @@
           <a:p>
             <a:fld id="{78C97017-6FC3-485B-9764-EAC9E56C1D49}" type="datetimeFigureOut">
               <a:rPr lang="en-US" smtClean="0"/>
-              <a:t>4/3/19</a:t>
+              <a:t>4/13/19</a:t>
             </a:fld>
             <a:endParaRPr lang="en-US"/>
           </a:p>
@@ -1497,7 +1497,7 @@
           <a:p>
             <a:fld id="{78C97017-6FC3-485B-9764-EAC9E56C1D49}" type="datetimeFigureOut">
               <a:rPr lang="en-US" smtClean="0"/>
-              <a:t>4/3/19</a:t>
+              <a:t>4/13/19</a:t>
             </a:fld>
             <a:endParaRPr lang="en-US"/>
           </a:p>
@@ -1782,7 +1782,7 @@
           <a:p>
             <a:fld id="{78C97017-6FC3-485B-9764-EAC9E56C1D49}" type="datetimeFigureOut">
               <a:rPr lang="en-US" smtClean="0"/>
-              <a:t>4/3/19</a:t>
+              <a:t>4/13/19</a:t>
             </a:fld>
             <a:endParaRPr lang="en-US"/>
           </a:p>
@@ -2201,7 +2201,7 @@
           <a:p>
             <a:fld id="{78C97017-6FC3-485B-9764-EAC9E56C1D49}" type="datetimeFigureOut">
               <a:rPr lang="en-US" smtClean="0"/>
-              <a:t>4/3/19</a:t>
+              <a:t>4/13/19</a:t>
             </a:fld>
             <a:endParaRPr lang="en-US"/>
           </a:p>
@@ -2318,7 +2318,7 @@
           <a:p>
             <a:fld id="{78C97017-6FC3-485B-9764-EAC9E56C1D49}" type="datetimeFigureOut">
               <a:rPr lang="en-US" smtClean="0"/>
-              <a:t>4/3/19</a:t>
+              <a:t>4/13/19</a:t>
             </a:fld>
             <a:endParaRPr lang="en-US"/>
           </a:p>
@@ -2413,7 +2413,7 @@
           <a:p>
             <a:fld id="{78C97017-6FC3-485B-9764-EAC9E56C1D49}" type="datetimeFigureOut">
               <a:rPr lang="en-US" smtClean="0"/>
-              <a:t>4/3/19</a:t>
+              <a:t>4/13/19</a:t>
             </a:fld>
             <a:endParaRPr lang="en-US"/>
           </a:p>
@@ -2688,7 +2688,7 @@
           <a:p>
             <a:fld id="{78C97017-6FC3-485B-9764-EAC9E56C1D49}" type="datetimeFigureOut">
               <a:rPr lang="en-US" smtClean="0"/>
-              <a:t>4/3/19</a:t>
+              <a:t>4/13/19</a:t>
             </a:fld>
             <a:endParaRPr lang="en-US"/>
           </a:p>
@@ -2940,7 +2940,7 @@
           <a:p>
             <a:fld id="{78C97017-6FC3-485B-9764-EAC9E56C1D49}" type="datetimeFigureOut">
               <a:rPr lang="en-US" smtClean="0"/>
-              <a:t>4/3/19</a:t>
+              <a:t>4/13/19</a:t>
             </a:fld>
             <a:endParaRPr lang="en-US"/>
           </a:p>
@@ -3151,7 +3151,7 @@
           <a:p>
             <a:fld id="{78C97017-6FC3-485B-9764-EAC9E56C1D49}" type="datetimeFigureOut">
               <a:rPr lang="en-US" smtClean="0"/>
-              <a:t>4/3/19</a:t>
+              <a:t>4/13/19</a:t>
             </a:fld>
             <a:endParaRPr lang="en-US"/>
           </a:p>
@@ -4259,7 +4259,7 @@
         <p:spPr>
           <a:xfrm>
             <a:off x="968234" y="2989204"/>
-            <a:ext cx="1515617" cy="215444"/>
+            <a:ext cx="1515617" cy="184666"/>
           </a:xfrm>
           <a:prstGeom prst="rect">
             <a:avLst/>
@@ -4274,12 +4274,8 @@
           <a:p>
             <a:pPr algn="ctr"/>
             <a:r>
-              <a:rPr lang="en-US" sz="1400" dirty="0" err="1"/>
-              <a:t>deletecustomer</a:t>
-            </a:r>
-            <a:r>
-              <a:rPr lang="en-US" sz="1400" dirty="0"/>
-              <a:t> 1</a:t>
+              <a:rPr lang="en-US" sz="1200" dirty="0"/>
+              <a:t>delete-customer 1</a:t>
             </a:r>
           </a:p>
         </p:txBody>
@@ -4331,7 +4327,7 @@
         <p:spPr>
           <a:xfrm>
             <a:off x="2492258" y="3082866"/>
-            <a:ext cx="1542753" cy="430887"/>
+            <a:ext cx="1542753" cy="369332"/>
           </a:xfrm>
           <a:prstGeom prst="rect">
             <a:avLst/>
@@ -4346,7 +4342,7 @@
           <a:p>
             <a:pPr algn="ctr"/>
             <a:r>
-              <a:rPr lang="en-US" sz="1400" dirty="0">
+              <a:rPr lang="en-US" sz="1200" dirty="0">
                 <a:solidFill>
                   <a:srgbClr val="0070C0"/>
                 </a:solidFill>
@@ -4357,28 +4353,12 @@
           <a:p>
             <a:pPr algn="ctr"/>
             <a:r>
-              <a:rPr lang="en-US" sz="1400" dirty="0">
+              <a:rPr lang="en-US" sz="1200" dirty="0">
                 <a:solidFill>
                   <a:srgbClr val="0070C0"/>
                 </a:solidFill>
               </a:rPr>
-              <a:t>“</a:t>
-            </a:r>
-            <a:r>
-              <a:rPr lang="en-US" sz="1400" dirty="0" err="1">
-                <a:solidFill>
-                  <a:srgbClr val="0070C0"/>
-                </a:solidFill>
-              </a:rPr>
-              <a:t>deletecustomer</a:t>
-            </a:r>
-            <a:r>
-              <a:rPr lang="en-US" sz="1400" dirty="0">
-                <a:solidFill>
-                  <a:srgbClr val="0070C0"/>
-                </a:solidFill>
-              </a:rPr>
-              <a:t> 1”)</a:t>
+              <a:t>“delete-customer 1”)</a:t>
             </a:r>
           </a:p>
         </p:txBody>
@@ -4430,7 +4410,7 @@
         <p:spPr>
           <a:xfrm>
             <a:off x="4203434" y="3150453"/>
-            <a:ext cx="1486782" cy="430887"/>
+            <a:ext cx="1486782" cy="369332"/>
           </a:xfrm>
           <a:prstGeom prst="rect">
             <a:avLst/>
@@ -4445,44 +4425,23 @@
           <a:p>
             <a:pPr algn="ctr"/>
             <a:r>
-              <a:rPr lang="en-US" sz="1400" dirty="0" err="1">
+              <a:rPr lang="en-US" sz="1200" dirty="0">
                 <a:solidFill>
                   <a:srgbClr val="7030A0"/>
                 </a:solidFill>
               </a:rPr>
               <a:t>deleteCustomer</a:t>
             </a:r>
-            <a:endParaRPr lang="en-US" sz="1400" dirty="0">
-              <a:solidFill>
-                <a:srgbClr val="7030A0"/>
-              </a:solidFill>
-            </a:endParaRPr>
           </a:p>
           <a:p>
             <a:pPr algn="ctr"/>
             <a:r>
-              <a:rPr lang="en-US" sz="1400" dirty="0">
+              <a:rPr lang="en-US" sz="1200" dirty="0">
                 <a:solidFill>
                   <a:srgbClr val="7030A0"/>
                 </a:solidFill>
               </a:rPr>
-              <a:t>(</a:t>
-            </a:r>
-            <a:r>
-              <a:rPr lang="en-US" sz="1400" dirty="0" err="1">
-                <a:solidFill>
-                  <a:srgbClr val="7030A0"/>
-                </a:solidFill>
-              </a:rPr>
-              <a:t>customerToDelete</a:t>
-            </a:r>
-            <a:r>
-              <a:rPr lang="en-US" sz="1400" dirty="0">
-                <a:solidFill>
-                  <a:srgbClr val="7030A0"/>
-                </a:solidFill>
-              </a:rPr>
-              <a:t>)</a:t>
+              <a:t>(customerToDelete)</a:t>
             </a:r>
           </a:p>
         </p:txBody>
@@ -4818,7 +4777,7 @@
         <p:spPr>
           <a:xfrm>
             <a:off x="4484157" y="3921005"/>
-            <a:ext cx="2466828" cy="430887"/>
+            <a:ext cx="2466828" cy="400110"/>
           </a:xfrm>
           <a:prstGeom prst="rect">
             <a:avLst/>
@@ -4833,7 +4792,7 @@
           <a:p>
             <a:pPr algn="ctr"/>
             <a:r>
-              <a:rPr lang="en-US" sz="1400" dirty="0" err="1">
+              <a:rPr lang="en-US" sz="1200" dirty="0">
                 <a:solidFill>
                   <a:schemeClr val="accent6">
                     <a:lumMod val="75000"/>
@@ -4842,35 +4801,18 @@
               </a:rPr>
               <a:t>saveHotelManagementSystem</a:t>
             </a:r>
-            <a:endParaRPr lang="en-US" sz="1400" dirty="0">
-              <a:solidFill>
-                <a:schemeClr val="accent6">
-                  <a:lumMod val="75000"/>
-                </a:schemeClr>
-              </a:solidFill>
-            </a:endParaRPr>
           </a:p>
           <a:p>
             <a:pPr algn="ctr"/>
             <a:r>
-              <a:rPr lang="en-US" sz="1400" dirty="0">
+              <a:rPr lang="en-US" sz="1200" dirty="0">
                 <a:solidFill>
                   <a:schemeClr val="accent6">
                     <a:lumMod val="75000"/>
                   </a:schemeClr>
                 </a:solidFill>
               </a:rPr>
-              <a:t>(</a:t>
-            </a:r>
-            <a:r>
-              <a:rPr lang="en-US" sz="1400" dirty="0" err="1">
-                <a:solidFill>
-                  <a:schemeClr val="accent6">
-                    <a:lumMod val="75000"/>
-                  </a:schemeClr>
-                </a:solidFill>
-              </a:rPr>
-              <a:t>HotelManagementSystem</a:t>
+              <a:t>(HotelManagementSystem</a:t>
             </a:r>
             <a:r>
               <a:rPr lang="en-US" sz="1400" dirty="0">
@@ -5096,7 +5038,7 @@
         <p:spPr>
           <a:xfrm>
             <a:off x="7730090" y="3724480"/>
-            <a:ext cx="539047" cy="430887"/>
+            <a:ext cx="539047" cy="369332"/>
           </a:xfrm>
           <a:prstGeom prst="rect">
             <a:avLst/>
@@ -5110,7 +5052,7 @@
           <a:lstStyle/>
           <a:p>
             <a:r>
-              <a:rPr lang="en-US" sz="1400" dirty="0">
+              <a:rPr lang="en-US" sz="1200" dirty="0">
                 <a:solidFill>
                   <a:schemeClr val="accent6">
                     <a:lumMod val="75000"/>
@@ -5120,7 +5062,7 @@
               <a:t>Save </a:t>
             </a:r>
             <a:br>
-              <a:rPr lang="en-US" sz="1400" dirty="0">
+              <a:rPr lang="en-US" sz="1200" dirty="0">
                 <a:solidFill>
                   <a:schemeClr val="accent6">
                     <a:lumMod val="75000"/>
@@ -5129,7 +5071,7 @@
               </a:rPr>
             </a:br>
             <a:r>
-              <a:rPr lang="en-US" sz="1400" dirty="0">
+              <a:rPr lang="en-US" sz="1200" dirty="0">
                 <a:solidFill>
                   <a:schemeClr val="accent6">
                     <a:lumMod val="75000"/>

--- a/docs/diagrams/LogicComponentSequenceDiagram.pptx
+++ b/docs/diagrams/LogicComponentSequenceDiagram.pptx
@@ -208,7 +208,7 @@
           <a:p>
             <a:fld id="{F5CC4B3F-88C1-4FFA-B1B6-F41C21DC6924}" type="datetimeFigureOut">
               <a:rPr lang="en-US" smtClean="0"/>
-              <a:t>12/15/2018</a:t>
+              <a:t>4/14/19</a:t>
             </a:fld>
             <a:endParaRPr lang="en-US"/>
           </a:p>
@@ -738,7 +738,7 @@
           <a:p>
             <a:fld id="{78C97017-6FC3-485B-9764-EAC9E56C1D49}" type="datetimeFigureOut">
               <a:rPr lang="en-US" smtClean="0"/>
-              <a:t>12/15/2018</a:t>
+              <a:t>4/14/19</a:t>
             </a:fld>
             <a:endParaRPr lang="en-US"/>
           </a:p>
@@ -906,7 +906,7 @@
           <a:p>
             <a:fld id="{78C97017-6FC3-485B-9764-EAC9E56C1D49}" type="datetimeFigureOut">
               <a:rPr lang="en-US" smtClean="0"/>
-              <a:t>12/15/2018</a:t>
+              <a:t>4/14/19</a:t>
             </a:fld>
             <a:endParaRPr lang="en-US"/>
           </a:p>
@@ -1084,7 +1084,7 @@
           <a:p>
             <a:fld id="{78C97017-6FC3-485B-9764-EAC9E56C1D49}" type="datetimeFigureOut">
               <a:rPr lang="en-US" smtClean="0"/>
-              <a:t>12/15/2018</a:t>
+              <a:t>4/14/19</a:t>
             </a:fld>
             <a:endParaRPr lang="en-US"/>
           </a:p>
@@ -1252,7 +1252,7 @@
           <a:p>
             <a:fld id="{78C97017-6FC3-485B-9764-EAC9E56C1D49}" type="datetimeFigureOut">
               <a:rPr lang="en-US" smtClean="0"/>
-              <a:t>12/15/2018</a:t>
+              <a:t>4/14/19</a:t>
             </a:fld>
             <a:endParaRPr lang="en-US"/>
           </a:p>
@@ -1497,7 +1497,7 @@
           <a:p>
             <a:fld id="{78C97017-6FC3-485B-9764-EAC9E56C1D49}" type="datetimeFigureOut">
               <a:rPr lang="en-US" smtClean="0"/>
-              <a:t>12/15/2018</a:t>
+              <a:t>4/14/19</a:t>
             </a:fld>
             <a:endParaRPr lang="en-US"/>
           </a:p>
@@ -1782,7 +1782,7 @@
           <a:p>
             <a:fld id="{78C97017-6FC3-485B-9764-EAC9E56C1D49}" type="datetimeFigureOut">
               <a:rPr lang="en-US" smtClean="0"/>
-              <a:t>12/15/2018</a:t>
+              <a:t>4/14/19</a:t>
             </a:fld>
             <a:endParaRPr lang="en-US"/>
           </a:p>
@@ -2201,7 +2201,7 @@
           <a:p>
             <a:fld id="{78C97017-6FC3-485B-9764-EAC9E56C1D49}" type="datetimeFigureOut">
               <a:rPr lang="en-US" smtClean="0"/>
-              <a:t>12/15/2018</a:t>
+              <a:t>4/14/19</a:t>
             </a:fld>
             <a:endParaRPr lang="en-US"/>
           </a:p>
@@ -2318,7 +2318,7 @@
           <a:p>
             <a:fld id="{78C97017-6FC3-485B-9764-EAC9E56C1D49}" type="datetimeFigureOut">
               <a:rPr lang="en-US" smtClean="0"/>
-              <a:t>12/15/2018</a:t>
+              <a:t>4/14/19</a:t>
             </a:fld>
             <a:endParaRPr lang="en-US"/>
           </a:p>
@@ -2413,7 +2413,7 @@
           <a:p>
             <a:fld id="{78C97017-6FC3-485B-9764-EAC9E56C1D49}" type="datetimeFigureOut">
               <a:rPr lang="en-US" smtClean="0"/>
-              <a:t>12/15/2018</a:t>
+              <a:t>4/14/19</a:t>
             </a:fld>
             <a:endParaRPr lang="en-US"/>
           </a:p>
@@ -2688,7 +2688,7 @@
           <a:p>
             <a:fld id="{78C97017-6FC3-485B-9764-EAC9E56C1D49}" type="datetimeFigureOut">
               <a:rPr lang="en-US" smtClean="0"/>
-              <a:t>12/15/2018</a:t>
+              <a:t>4/14/19</a:t>
             </a:fld>
             <a:endParaRPr lang="en-US"/>
           </a:p>
@@ -2940,7 +2940,7 @@
           <a:p>
             <a:fld id="{78C97017-6FC3-485B-9764-EAC9E56C1D49}" type="datetimeFigureOut">
               <a:rPr lang="en-US" smtClean="0"/>
-              <a:t>12/15/2018</a:t>
+              <a:t>4/14/19</a:t>
             </a:fld>
             <a:endParaRPr lang="en-US"/>
           </a:p>
@@ -3151,7 +3151,7 @@
           <a:p>
             <a:fld id="{78C97017-6FC3-485B-9764-EAC9E56C1D49}" type="datetimeFigureOut">
               <a:rPr lang="en-US" smtClean="0"/>
-              <a:t>12/15/2018</a:t>
+              <a:t>4/14/19</a:t>
             </a:fld>
             <a:endParaRPr lang="en-US"/>
           </a:p>
@@ -3683,7 +3683,7 @@
         </p:nvGrpSpPr>
         <p:grpSpPr>
           <a:xfrm>
-            <a:off x="910815" y="2146326"/>
+            <a:off x="1047564" y="2146326"/>
             <a:ext cx="324036" cy="573410"/>
             <a:chOff x="3239901" y="4149080"/>
             <a:chExt cx="648072" cy="1146820"/>
@@ -3900,7 +3900,7 @@
         </p:nvSpPr>
         <p:spPr>
           <a:xfrm>
-            <a:off x="3560206" y="2217153"/>
+            <a:off x="3630765" y="2217153"/>
             <a:ext cx="1093635" cy="346760"/>
           </a:xfrm>
           <a:prstGeom prst="rect">
@@ -3961,7 +3961,7 @@
         </p:nvCxnSpPr>
         <p:spPr>
           <a:xfrm>
-            <a:off x="4107023" y="2580824"/>
+            <a:off x="4177582" y="2580824"/>
             <a:ext cx="0" cy="2232502"/>
           </a:xfrm>
           <a:prstGeom prst="line">
@@ -3998,7 +3998,7 @@
         </p:nvSpPr>
         <p:spPr>
           <a:xfrm>
-            <a:off x="4035015" y="3039017"/>
+            <a:off x="4105574" y="3039017"/>
             <a:ext cx="152376" cy="1477495"/>
           </a:xfrm>
           <a:prstGeom prst="rect">
@@ -4269,7 +4269,7 @@
         <p:spPr>
           <a:xfrm>
             <a:off x="2518129" y="3039017"/>
-            <a:ext cx="1516886" cy="1"/>
+            <a:ext cx="1587445" cy="0"/>
           </a:xfrm>
           <a:prstGeom prst="straightConnector1">
             <a:avLst/>
@@ -4304,8 +4304,8 @@
         </p:nvSpPr>
         <p:spPr>
           <a:xfrm>
-            <a:off x="2552219" y="3082866"/>
-            <a:ext cx="1424846" cy="215444"/>
+            <a:off x="2552218" y="3082865"/>
+            <a:ext cx="1495189" cy="215444"/>
           </a:xfrm>
           <a:prstGeom prst="rect">
             <a:avLst/>
@@ -4376,7 +4376,7 @@
         </p:nvSpPr>
         <p:spPr>
           <a:xfrm>
-            <a:off x="4371378" y="3150453"/>
+            <a:off x="4371378" y="3137356"/>
             <a:ext cx="1228707" cy="215444"/>
           </a:xfrm>
           <a:prstGeom prst="rect">
@@ -4397,7 +4397,7 @@
                   <a:srgbClr val="7030A0"/>
                 </a:solidFill>
               </a:rPr>
-              <a:t>deletePerson</a:t>
+              <a:t>deleteCard</a:t>
             </a:r>
             <a:r>
               <a:rPr lang="en-US" sz="1400" dirty="0">
@@ -4405,7 +4405,7 @@
                   <a:srgbClr val="7030A0"/>
                 </a:solidFill>
               </a:rPr>
-              <a:t>(p)</a:t>
+              <a:t>(c)</a:t>
             </a:r>
           </a:p>
         </p:txBody>
@@ -4420,8 +4420,8 @@
         </p:nvCxnSpPr>
         <p:spPr>
           <a:xfrm>
-            <a:off x="4157837" y="3594126"/>
-            <a:ext cx="1532384" cy="0"/>
+            <a:off x="4257950" y="3594126"/>
+            <a:ext cx="1432271" cy="0"/>
           </a:xfrm>
           <a:prstGeom prst="straightConnector1">
             <a:avLst/>
@@ -4461,7 +4461,7 @@
         <p:spPr>
           <a:xfrm>
             <a:off x="2502653" y="4507812"/>
-            <a:ext cx="1532362" cy="0"/>
+            <a:ext cx="1602921" cy="0"/>
           </a:xfrm>
           <a:prstGeom prst="straightConnector1">
             <a:avLst/>
@@ -4699,9 +4699,9 @@
           <p:nvPr/>
         </p:nvCxnSpPr>
         <p:spPr>
-          <a:xfrm flipH="1" flipV="1">
-            <a:off x="4187393" y="4336999"/>
-            <a:ext cx="3225970" cy="70"/>
+          <a:xfrm flipH="1">
+            <a:off x="4269358" y="4337069"/>
+            <a:ext cx="3144005" cy="0"/>
           </a:xfrm>
           <a:prstGeom prst="straightConnector1">
             <a:avLst/>
@@ -4740,7 +4740,7 @@
         </p:nvSpPr>
         <p:spPr>
           <a:xfrm>
-            <a:off x="4484157" y="3921005"/>
+            <a:off x="4484157" y="3886200"/>
             <a:ext cx="2466828" cy="215444"/>
           </a:xfrm>
           <a:prstGeom prst="rect">
@@ -4763,7 +4763,7 @@
                   </a:schemeClr>
                 </a:solidFill>
               </a:rPr>
-              <a:t>saveAddressBook</a:t>
+              <a:t>saveCardCollection</a:t>
             </a:r>
             <a:r>
               <a:rPr lang="en-US" sz="1400" dirty="0">
@@ -4773,27 +4773,7 @@
                   </a:schemeClr>
                 </a:solidFill>
               </a:rPr>
-              <a:t>(</a:t>
-            </a:r>
-            <a:r>
-              <a:rPr lang="en-US" sz="1400" dirty="0" err="1">
-                <a:solidFill>
-                  <a:schemeClr val="accent6">
-                    <a:lumMod val="75000"/>
-                  </a:schemeClr>
-                </a:solidFill>
-              </a:rPr>
-              <a:t>AddressBook</a:t>
-            </a:r>
-            <a:r>
-              <a:rPr lang="en-US" sz="1400" dirty="0">
-                <a:solidFill>
-                  <a:schemeClr val="accent6">
-                    <a:lumMod val="75000"/>
-                  </a:schemeClr>
-                </a:solidFill>
-              </a:rPr>
-              <a:t>)</a:t>
+              <a:t>(cc)</a:t>
             </a:r>
           </a:p>
         </p:txBody>
@@ -4808,7 +4788,7 @@
         </p:nvCxnSpPr>
         <p:spPr>
           <a:xfrm>
-            <a:off x="1072833" y="2712598"/>
+            <a:off x="1219200" y="2712598"/>
             <a:ext cx="0" cy="2100728"/>
           </a:xfrm>
           <a:prstGeom prst="line">

--- a/docs/diagrams/LogicComponentSequenceDiagram.pptx
+++ b/docs/diagrams/LogicComponentSequenceDiagram.pptx
@@ -208,7 +208,7 @@
           <a:p>
             <a:fld id="{F5CC4B3F-88C1-4FFA-B1B6-F41C21DC6924}" type="datetimeFigureOut">
               <a:rPr lang="en-US" smtClean="0"/>
-              <a:t>12/15/2018</a:t>
+              <a:t>4/15/2019</a:t>
             </a:fld>
             <a:endParaRPr lang="en-US"/>
           </a:p>
@@ -738,7 +738,7 @@
           <a:p>
             <a:fld id="{78C97017-6FC3-485B-9764-EAC9E56C1D49}" type="datetimeFigureOut">
               <a:rPr lang="en-US" smtClean="0"/>
-              <a:t>12/15/2018</a:t>
+              <a:t>4/15/2019</a:t>
             </a:fld>
             <a:endParaRPr lang="en-US"/>
           </a:p>
@@ -906,7 +906,7 @@
           <a:p>
             <a:fld id="{78C97017-6FC3-485B-9764-EAC9E56C1D49}" type="datetimeFigureOut">
               <a:rPr lang="en-US" smtClean="0"/>
-              <a:t>12/15/2018</a:t>
+              <a:t>4/15/2019</a:t>
             </a:fld>
             <a:endParaRPr lang="en-US"/>
           </a:p>
@@ -1084,7 +1084,7 @@
           <a:p>
             <a:fld id="{78C97017-6FC3-485B-9764-EAC9E56C1D49}" type="datetimeFigureOut">
               <a:rPr lang="en-US" smtClean="0"/>
-              <a:t>12/15/2018</a:t>
+              <a:t>4/15/2019</a:t>
             </a:fld>
             <a:endParaRPr lang="en-US"/>
           </a:p>
@@ -1252,7 +1252,7 @@
           <a:p>
             <a:fld id="{78C97017-6FC3-485B-9764-EAC9E56C1D49}" type="datetimeFigureOut">
               <a:rPr lang="en-US" smtClean="0"/>
-              <a:t>12/15/2018</a:t>
+              <a:t>4/15/2019</a:t>
             </a:fld>
             <a:endParaRPr lang="en-US"/>
           </a:p>
@@ -1497,7 +1497,7 @@
           <a:p>
             <a:fld id="{78C97017-6FC3-485B-9764-EAC9E56C1D49}" type="datetimeFigureOut">
               <a:rPr lang="en-US" smtClean="0"/>
-              <a:t>12/15/2018</a:t>
+              <a:t>4/15/2019</a:t>
             </a:fld>
             <a:endParaRPr lang="en-US"/>
           </a:p>
@@ -1782,7 +1782,7 @@
           <a:p>
             <a:fld id="{78C97017-6FC3-485B-9764-EAC9E56C1D49}" type="datetimeFigureOut">
               <a:rPr lang="en-US" smtClean="0"/>
-              <a:t>12/15/2018</a:t>
+              <a:t>4/15/2019</a:t>
             </a:fld>
             <a:endParaRPr lang="en-US"/>
           </a:p>
@@ -2201,7 +2201,7 @@
           <a:p>
             <a:fld id="{78C97017-6FC3-485B-9764-EAC9E56C1D49}" type="datetimeFigureOut">
               <a:rPr lang="en-US" smtClean="0"/>
-              <a:t>12/15/2018</a:t>
+              <a:t>4/15/2019</a:t>
             </a:fld>
             <a:endParaRPr lang="en-US"/>
           </a:p>
@@ -2318,7 +2318,7 @@
           <a:p>
             <a:fld id="{78C97017-6FC3-485B-9764-EAC9E56C1D49}" type="datetimeFigureOut">
               <a:rPr lang="en-US" smtClean="0"/>
-              <a:t>12/15/2018</a:t>
+              <a:t>4/15/2019</a:t>
             </a:fld>
             <a:endParaRPr lang="en-US"/>
           </a:p>
@@ -2413,7 +2413,7 @@
           <a:p>
             <a:fld id="{78C97017-6FC3-485B-9764-EAC9E56C1D49}" type="datetimeFigureOut">
               <a:rPr lang="en-US" smtClean="0"/>
-              <a:t>12/15/2018</a:t>
+              <a:t>4/15/2019</a:t>
             </a:fld>
             <a:endParaRPr lang="en-US"/>
           </a:p>
@@ -2688,7 +2688,7 @@
           <a:p>
             <a:fld id="{78C97017-6FC3-485B-9764-EAC9E56C1D49}" type="datetimeFigureOut">
               <a:rPr lang="en-US" smtClean="0"/>
-              <a:t>12/15/2018</a:t>
+              <a:t>4/15/2019</a:t>
             </a:fld>
             <a:endParaRPr lang="en-US"/>
           </a:p>
@@ -2940,7 +2940,7 @@
           <a:p>
             <a:fld id="{78C97017-6FC3-485B-9764-EAC9E56C1D49}" type="datetimeFigureOut">
               <a:rPr lang="en-US" smtClean="0"/>
-              <a:t>12/15/2018</a:t>
+              <a:t>4/15/2019</a:t>
             </a:fld>
             <a:endParaRPr lang="en-US"/>
           </a:p>
@@ -3151,7 +3151,7 @@
           <a:p>
             <a:fld id="{78C97017-6FC3-485B-9764-EAC9E56C1D49}" type="datetimeFigureOut">
               <a:rPr lang="en-US" smtClean="0"/>
-              <a:t>12/15/2018</a:t>
+              <a:t>4/15/2019</a:t>
             </a:fld>
             <a:endParaRPr lang="en-US"/>
           </a:p>
@@ -4237,7 +4237,7 @@
         <p:spPr>
           <a:xfrm>
             <a:off x="1345305" y="2989204"/>
-            <a:ext cx="860170" cy="215444"/>
+            <a:ext cx="860170" cy="430887"/>
           </a:xfrm>
           <a:prstGeom prst="rect">
             <a:avLst/>
@@ -4253,7 +4253,7 @@
             <a:pPr algn="ctr"/>
             <a:r>
               <a:rPr lang="en-US" sz="1400" dirty="0"/>
-              <a:t>delete 1</a:t>
+              <a:t>delete request 1</a:t>
             </a:r>
           </a:p>
         </p:txBody>
@@ -4305,7 +4305,7 @@
         <p:spPr>
           <a:xfrm>
             <a:off x="2552219" y="3082866"/>
-            <a:ext cx="1424846" cy="215444"/>
+            <a:ext cx="1424846" cy="430887"/>
           </a:xfrm>
           <a:prstGeom prst="rect">
             <a:avLst/>
@@ -4325,7 +4325,7 @@
                   <a:srgbClr val="0070C0"/>
                 </a:solidFill>
               </a:rPr>
-              <a:t>execute(“delete 1”)</a:t>
+              <a:t>execute(“delete request 1”)</a:t>
             </a:r>
           </a:p>
         </p:txBody>
@@ -4376,8 +4376,8 @@
         </p:nvSpPr>
         <p:spPr>
           <a:xfrm>
-            <a:off x="4371378" y="3150453"/>
-            <a:ext cx="1228707" cy="215444"/>
+            <a:off x="4245342" y="3150453"/>
+            <a:ext cx="1354744" cy="215444"/>
           </a:xfrm>
           <a:prstGeom prst="rect">
             <a:avLst/>
@@ -4397,7 +4397,7 @@
                   <a:srgbClr val="7030A0"/>
                 </a:solidFill>
               </a:rPr>
-              <a:t>deletePerson</a:t>
+              <a:t>deleteRequest</a:t>
             </a:r>
             <a:r>
               <a:rPr lang="en-US" sz="1400" dirty="0">
@@ -4763,7 +4763,7 @@
                   </a:schemeClr>
                 </a:solidFill>
               </a:rPr>
-              <a:t>saveAddressBook</a:t>
+              <a:t>saveRequestBook</a:t>
             </a:r>
             <a:r>
               <a:rPr lang="en-US" sz="1400" dirty="0">
@@ -4783,7 +4783,7 @@
                   </a:schemeClr>
                 </a:solidFill>
               </a:rPr>
-              <a:t>AddressBook</a:t>
+              <a:t>RequestBook</a:t>
             </a:r>
             <a:r>
               <a:rPr lang="en-US" sz="1400" dirty="0">

--- a/docs/diagrams/LogicComponentSequenceDiagram.pptx
+++ b/docs/diagrams/LogicComponentSequenceDiagram.pptx
@@ -208,7 +208,7 @@
           <a:p>
             <a:fld id="{F5CC4B3F-88C1-4FFA-B1B6-F41C21DC6924}" type="datetimeFigureOut">
               <a:rPr lang="en-US" smtClean="0"/>
-              <a:t>12/15/2018</a:t>
+              <a:t>4/15/19</a:t>
             </a:fld>
             <a:endParaRPr lang="en-US"/>
           </a:p>
@@ -738,7 +738,7 @@
           <a:p>
             <a:fld id="{78C97017-6FC3-485B-9764-EAC9E56C1D49}" type="datetimeFigureOut">
               <a:rPr lang="en-US" smtClean="0"/>
-              <a:t>12/15/2018</a:t>
+              <a:t>4/15/19</a:t>
             </a:fld>
             <a:endParaRPr lang="en-US"/>
           </a:p>
@@ -906,7 +906,7 @@
           <a:p>
             <a:fld id="{78C97017-6FC3-485B-9764-EAC9E56C1D49}" type="datetimeFigureOut">
               <a:rPr lang="en-US" smtClean="0"/>
-              <a:t>12/15/2018</a:t>
+              <a:t>4/15/19</a:t>
             </a:fld>
             <a:endParaRPr lang="en-US"/>
           </a:p>
@@ -1084,7 +1084,7 @@
           <a:p>
             <a:fld id="{78C97017-6FC3-485B-9764-EAC9E56C1D49}" type="datetimeFigureOut">
               <a:rPr lang="en-US" smtClean="0"/>
-              <a:t>12/15/2018</a:t>
+              <a:t>4/15/19</a:t>
             </a:fld>
             <a:endParaRPr lang="en-US"/>
           </a:p>
@@ -1252,7 +1252,7 @@
           <a:p>
             <a:fld id="{78C97017-6FC3-485B-9764-EAC9E56C1D49}" type="datetimeFigureOut">
               <a:rPr lang="en-US" smtClean="0"/>
-              <a:t>12/15/2018</a:t>
+              <a:t>4/15/19</a:t>
             </a:fld>
             <a:endParaRPr lang="en-US"/>
           </a:p>
@@ -1497,7 +1497,7 @@
           <a:p>
             <a:fld id="{78C97017-6FC3-485B-9764-EAC9E56C1D49}" type="datetimeFigureOut">
               <a:rPr lang="en-US" smtClean="0"/>
-              <a:t>12/15/2018</a:t>
+              <a:t>4/15/19</a:t>
             </a:fld>
             <a:endParaRPr lang="en-US"/>
           </a:p>
@@ -1782,7 +1782,7 @@
           <a:p>
             <a:fld id="{78C97017-6FC3-485B-9764-EAC9E56C1D49}" type="datetimeFigureOut">
               <a:rPr lang="en-US" smtClean="0"/>
-              <a:t>12/15/2018</a:t>
+              <a:t>4/15/19</a:t>
             </a:fld>
             <a:endParaRPr lang="en-US"/>
           </a:p>
@@ -2201,7 +2201,7 @@
           <a:p>
             <a:fld id="{78C97017-6FC3-485B-9764-EAC9E56C1D49}" type="datetimeFigureOut">
               <a:rPr lang="en-US" smtClean="0"/>
-              <a:t>12/15/2018</a:t>
+              <a:t>4/15/19</a:t>
             </a:fld>
             <a:endParaRPr lang="en-US"/>
           </a:p>
@@ -2318,7 +2318,7 @@
           <a:p>
             <a:fld id="{78C97017-6FC3-485B-9764-EAC9E56C1D49}" type="datetimeFigureOut">
               <a:rPr lang="en-US" smtClean="0"/>
-              <a:t>12/15/2018</a:t>
+              <a:t>4/15/19</a:t>
             </a:fld>
             <a:endParaRPr lang="en-US"/>
           </a:p>
@@ -2413,7 +2413,7 @@
           <a:p>
             <a:fld id="{78C97017-6FC3-485B-9764-EAC9E56C1D49}" type="datetimeFigureOut">
               <a:rPr lang="en-US" smtClean="0"/>
-              <a:t>12/15/2018</a:t>
+              <a:t>4/15/19</a:t>
             </a:fld>
             <a:endParaRPr lang="en-US"/>
           </a:p>
@@ -2688,7 +2688,7 @@
           <a:p>
             <a:fld id="{78C97017-6FC3-485B-9764-EAC9E56C1D49}" type="datetimeFigureOut">
               <a:rPr lang="en-US" smtClean="0"/>
-              <a:t>12/15/2018</a:t>
+              <a:t>4/15/19</a:t>
             </a:fld>
             <a:endParaRPr lang="en-US"/>
           </a:p>
@@ -2940,7 +2940,7 @@
           <a:p>
             <a:fld id="{78C97017-6FC3-485B-9764-EAC9E56C1D49}" type="datetimeFigureOut">
               <a:rPr lang="en-US" smtClean="0"/>
-              <a:t>12/15/2018</a:t>
+              <a:t>4/15/19</a:t>
             </a:fld>
             <a:endParaRPr lang="en-US"/>
           </a:p>
@@ -3151,7 +3151,7 @@
           <a:p>
             <a:fld id="{78C97017-6FC3-485B-9764-EAC9E56C1D49}" type="datetimeFigureOut">
               <a:rPr lang="en-US" smtClean="0"/>
-              <a:t>12/15/2018</a:t>
+              <a:t>4/15/19</a:t>
             </a:fld>
             <a:endParaRPr lang="en-US"/>
           </a:p>
@@ -4253,7 +4253,7 @@
             <a:pPr algn="ctr"/>
             <a:r>
               <a:rPr lang="en-US" sz="1400" dirty="0"/>
-              <a:t>delete 1</a:t>
+              <a:t>add-appt …</a:t>
             </a:r>
           </a:p>
         </p:txBody>
